--- a/src/semestralProject/U06PolySumAndProductRybarPresentation.pptx
+++ b/src/semestralProject/U06PolySumAndProductRybarPresentation.pptx
@@ -201,7 +201,7 @@
           <a:p>
             <a:fld id="{35B2C1EB-A652-4B9E-BAA9-E8CF2F21A8B4}" type="datetimeFigureOut">
               <a:rPr lang="cs-CZ" smtClean="0"/>
-              <a:t>18.11.2023</a:t>
+              <a:t>07.12.2023</a:t>
             </a:fld>
             <a:endParaRPr lang="cs-CZ"/>
           </a:p>
@@ -513,6 +513,69 @@
           <a:lstStyle/>
           <a:p>
             <a:r>
+              <a:rPr lang="cs-CZ" b="1" dirty="0"/>
+              <a:t>Proč je pole obrácené?</a:t>
+            </a:r>
+          </a:p>
+          <a:p>
+            <a:r>
+              <a:rPr lang="cs-CZ" dirty="0"/>
+              <a:t>3. Mohl bych ukládat prvky do pole v pořadí, ve kterém je načtu, což by mohlo být užitečné pro rychlé zpracování. Ale pro efektivnější manipulaci s polynomy je lepší ukládat koeficienty **v pořadí mocnin**. (Tzn., že první prvek pole bude reprezentovat koeficient pro x^0, druhý prvek pro x^1, třetí prvek pro x^2 atd.). Tento přístup usnadní následné provádění operací - **sčítání, násobení a výpis**.</a:t>
+            </a:r>
+          </a:p>
+          <a:p>
+            <a:endParaRPr lang="cs-CZ" dirty="0"/>
+          </a:p>
+          <a:p>
+            <a:r>
+              <a:rPr lang="cs-CZ" b="1" dirty="0"/>
+              <a:t>**Sčítání polynomů** budu provádět jednoduše tak, že sečtu odpovídající koeficienty a ty uložím do výsledného pole.</a:t>
+            </a:r>
+          </a:p>
+          <a:p>
+            <a:endParaRPr lang="cs-CZ" b="1" dirty="0"/>
+          </a:p>
+          <a:p>
+            <a:r>
+              <a:rPr lang="cs-CZ" b="1" dirty="0"/>
+              <a:t>Popis výpisu</a:t>
+            </a:r>
+          </a:p>
+          <a:p>
+            <a:r>
+              <a:rPr lang="cs-CZ" dirty="0"/>
+              <a:t>Máme polynom s koeficienty 4, -8 a 1. Do pole je uložím v obráceném pořadí, aby se pořadí prvku rovnalo jeho mocnině, čili [1, -8, 4].</a:t>
+            </a:r>
+          </a:p>
+          <a:p>
+            <a:r>
+              <a:rPr lang="cs-CZ" dirty="0"/>
+              <a:t>Takže budu potřebovat nějaký cyklus, který bude iterovat od stupně polynomu až do nuly a bude vypisovat koeficienty ve tvaru 4, -8, 1.</a:t>
+            </a:r>
+          </a:p>
+          <a:p>
+            <a:r>
+              <a:rPr lang="cs-CZ" dirty="0"/>
+              <a:t>Nyní úvaha - jak přidám ke každému prvku odpovídající mocninu? K tomuto se nám právě hodí, že pořadí prvků odpovídá mocnině → mocnina bude pořadí prvku v poli, vlastně tedy iterační proměnná.</a:t>
+            </a:r>
+          </a:p>
+          <a:p>
+            <a:r>
+              <a:rPr lang="cs-CZ" dirty="0"/>
+              <a:t>Podle toho, jestli je koeficient větší/menší než 0, přidám do výpisu odpovídající znaménko. </a:t>
+            </a:r>
+          </a:p>
+          <a:p>
+            <a:r>
+              <a:rPr lang="cs-CZ" dirty="0"/>
+              <a:t>Nulové členy a jednotkové koeficienty (1x) vypisovat nemusíme.</a:t>
+            </a:r>
+          </a:p>
+          <a:p>
+            <a:endParaRPr lang="cs-CZ" dirty="0"/>
+          </a:p>
+          <a:p>
+            <a:r>
               <a:rPr lang="cs-CZ" dirty="0" err="1"/>
               <a:t>Polynomial</a:t>
             </a:r>
@@ -617,7 +680,84 @@
           <a:bodyPr/>
           <a:lstStyle/>
           <a:p>
-            <a:endParaRPr lang="cs-CZ" dirty="0"/>
+            <a:r>
+              <a:rPr lang="cs-CZ" dirty="0"/>
+              <a:t>Součin – každý s každým</a:t>
+            </a:r>
+          </a:p>
+          <a:p>
+            <a:r>
+              <a:rPr lang="cs-CZ" dirty="0"/>
+              <a:t>- mám dva polynomy</a:t>
+            </a:r>
+          </a:p>
+          <a:p>
+            <a:r>
+              <a:rPr lang="cs-CZ" dirty="0"/>
+              <a:t>- </a:t>
+            </a:r>
+            <a:r>
+              <a:rPr lang="cs-CZ" dirty="0" err="1"/>
+              <a:t>vysledny_stupen</a:t>
+            </a:r>
+            <a:r>
+              <a:rPr lang="cs-CZ" dirty="0"/>
+              <a:t> = sečtu stupně u prvního a druhého polynomu (tak to funguje u násobení polynomů)</a:t>
+            </a:r>
+          </a:p>
+          <a:p>
+            <a:r>
+              <a:rPr lang="cs-CZ" dirty="0"/>
+              <a:t>- </a:t>
+            </a:r>
+            <a:r>
+              <a:rPr lang="cs-CZ" dirty="0" err="1"/>
+              <a:t>vysl_koeficienty</a:t>
+            </a:r>
+            <a:r>
+              <a:rPr lang="cs-CZ" dirty="0"/>
+              <a:t> = pole, do kterého uložím výsledné koeficienty (velikost bude </a:t>
+            </a:r>
+            <a:r>
+              <a:rPr lang="cs-CZ" dirty="0" err="1"/>
+              <a:t>vysledny_stupen</a:t>
+            </a:r>
+            <a:r>
+              <a:rPr lang="cs-CZ" dirty="0"/>
+              <a:t> + 1 -&gt; např. pro polynom 3st. jsou 4 koeficienty)</a:t>
+            </a:r>
+          </a:p>
+          <a:p>
+            <a:r>
+              <a:rPr lang="cs-CZ" dirty="0"/>
+              <a:t>- při násobení 2 mnohočlenů platí pravidlo "každý s každým", budu tedy potřebovat 2 cykly v sobě (informace o indexech mnohočlenů)</a:t>
+            </a:r>
+          </a:p>
+          <a:p>
+            <a:r>
+              <a:rPr lang="cs-CZ" dirty="0"/>
+              <a:t>- 1. cyklus (vnější) - informace o "poloze" koeficientů v 1. polynomu, iterační proměnná i</a:t>
+            </a:r>
+          </a:p>
+          <a:p>
+            <a:r>
+              <a:rPr lang="cs-CZ" dirty="0"/>
+              <a:t>- 2. cyklus (vnitřní) - informace o "poloze" koeficientů v 2. polynomu, iterační proměnná j</a:t>
+            </a:r>
+          </a:p>
+          <a:p>
+            <a:r>
+              <a:rPr lang="cs-CZ" dirty="0"/>
+              <a:t>    - vnitřek -&gt; do pole na indexu </a:t>
+            </a:r>
+            <a:r>
+              <a:rPr lang="cs-CZ" dirty="0" err="1"/>
+              <a:t>i+j</a:t>
+            </a:r>
+            <a:r>
+              <a:rPr lang="cs-CZ" dirty="0"/>
+              <a:t> přičtu násobek odpovídajících mocnin polynomů</a:t>
+            </a:r>
           </a:p>
         </p:txBody>
       </p:sp>
@@ -716,24 +856,6 @@
             <a:r>
               <a:rPr lang="cs-CZ" dirty="0"/>
               <a:t>běžné hodnoty (ze zadání – ovšem v zadání chybně)</a:t>
-            </a:r>
-          </a:p>
-          <a:p>
-            <a:pPr marL="228600" indent="-228600">
-              <a:buAutoNum type="arabicPeriod"/>
-            </a:pPr>
-            <a:r>
-              <a:rPr lang="cs-CZ" dirty="0"/>
-              <a:t>velké hodnoty (8. stupeň)</a:t>
-            </a:r>
-          </a:p>
-          <a:p>
-            <a:pPr marL="228600" indent="-228600">
-              <a:buAutoNum type="arabicPeriod"/>
-            </a:pPr>
-            <a:r>
-              <a:rPr lang="cs-CZ" dirty="0"/>
-              <a:t>limitní stavy – zadám samé nuly / záporná čísla</a:t>
             </a:r>
           </a:p>
           <a:p>
@@ -2103,7 +2225,7 @@
           <a:p>
             <a:fld id="{997C1A73-3B37-45FA-B5EC-E87B1E5F6102}" type="datetimeFigureOut">
               <a:rPr lang="cs-CZ" smtClean="0"/>
-              <a:t>18.11.2023</a:t>
+              <a:t>07.12.2023</a:t>
             </a:fld>
             <a:endParaRPr lang="cs-CZ"/>
           </a:p>
@@ -2199,18 +2321,9 @@
   <p:clrMapOvr>
     <a:masterClrMapping/>
   </p:clrMapOvr>
-  <mc:AlternateContent xmlns:mc="http://schemas.openxmlformats.org/markup-compatibility/2006" xmlns:p14="http://schemas.microsoft.com/office/powerpoint/2010/main">
-    <mc:Choice Requires="p14">
-      <p:transition spd="slow" p14:dur="1200">
-        <p14:prism/>
-      </p:transition>
-    </mc:Choice>
-    <mc:Fallback xmlns="">
-      <p:transition spd="slow">
-        <p:fade/>
-      </p:transition>
-    </mc:Fallback>
-  </mc:AlternateContent>
+  <p:transition spd="slow">
+    <p:push dir="u"/>
+  </p:transition>
 </p:sldLayout>
 </file>
 
@@ -2339,7 +2452,7 @@
           <a:p>
             <a:fld id="{997C1A73-3B37-45FA-B5EC-E87B1E5F6102}" type="datetimeFigureOut">
               <a:rPr lang="cs-CZ" smtClean="0"/>
-              <a:t>18.11.2023</a:t>
+              <a:t>07.12.2023</a:t>
             </a:fld>
             <a:endParaRPr lang="cs-CZ"/>
           </a:p>
@@ -2409,18 +2522,9 @@
   <p:clrMapOvr>
     <a:masterClrMapping/>
   </p:clrMapOvr>
-  <mc:AlternateContent xmlns:mc="http://schemas.openxmlformats.org/markup-compatibility/2006" xmlns:p14="http://schemas.microsoft.com/office/powerpoint/2010/main">
-    <mc:Choice Requires="p14">
-      <p:transition spd="slow" p14:dur="1200">
-        <p14:prism/>
-      </p:transition>
-    </mc:Choice>
-    <mc:Fallback xmlns="">
-      <p:transition spd="slow">
-        <p:fade/>
-      </p:transition>
-    </mc:Fallback>
-  </mc:AlternateContent>
+  <p:transition spd="slow">
+    <p:push dir="u"/>
+  </p:transition>
 </p:sldLayout>
 </file>
 
@@ -2559,7 +2663,7 @@
           <a:p>
             <a:fld id="{997C1A73-3B37-45FA-B5EC-E87B1E5F6102}" type="datetimeFigureOut">
               <a:rPr lang="cs-CZ" smtClean="0"/>
-              <a:t>18.11.2023</a:t>
+              <a:t>07.12.2023</a:t>
             </a:fld>
             <a:endParaRPr lang="cs-CZ"/>
           </a:p>
@@ -2629,18 +2733,9 @@
   <p:clrMapOvr>
     <a:masterClrMapping/>
   </p:clrMapOvr>
-  <mc:AlternateContent xmlns:mc="http://schemas.openxmlformats.org/markup-compatibility/2006" xmlns:p14="http://schemas.microsoft.com/office/powerpoint/2010/main">
-    <mc:Choice Requires="p14">
-      <p:transition spd="slow" p14:dur="1200">
-        <p14:prism/>
-      </p:transition>
-    </mc:Choice>
-    <mc:Fallback xmlns="">
-      <p:transition spd="slow">
-        <p:fade/>
-      </p:transition>
-    </mc:Fallback>
-  </mc:AlternateContent>
+  <p:transition spd="slow">
+    <p:push dir="u"/>
+  </p:transition>
 </p:sldLayout>
 </file>
 
@@ -2791,7 +2886,7 @@
           <a:p>
             <a:fld id="{997C1A73-3B37-45FA-B5EC-E87B1E5F6102}" type="datetimeFigureOut">
               <a:rPr lang="cs-CZ" smtClean="0"/>
-              <a:t>18.11.2023</a:t>
+              <a:t>07.12.2023</a:t>
             </a:fld>
             <a:endParaRPr lang="cs-CZ"/>
           </a:p>
@@ -2861,18 +2956,9 @@
   <p:clrMapOvr>
     <a:masterClrMapping/>
   </p:clrMapOvr>
-  <mc:AlternateContent xmlns:mc="http://schemas.openxmlformats.org/markup-compatibility/2006" xmlns:p14="http://schemas.microsoft.com/office/powerpoint/2010/main">
-    <mc:Choice Requires="p14">
-      <p:transition spd="slow" p14:dur="1200">
-        <p14:prism/>
-      </p:transition>
-    </mc:Choice>
-    <mc:Fallback xmlns="">
-      <p:transition spd="slow">
-        <p:fade/>
-      </p:transition>
-    </mc:Fallback>
-  </mc:AlternateContent>
+  <p:transition spd="slow">
+    <p:push dir="u"/>
+  </p:transition>
 </p:sldLayout>
 </file>
 
@@ -3010,7 +3096,7 @@
           <a:p>
             <a:fld id="{997C1A73-3B37-45FA-B5EC-E87B1E5F6102}" type="datetimeFigureOut">
               <a:rPr lang="cs-CZ" smtClean="0"/>
-              <a:t>18.11.2023</a:t>
+              <a:t>07.12.2023</a:t>
             </a:fld>
             <a:endParaRPr lang="cs-CZ"/>
           </a:p>
@@ -3513,18 +3599,9 @@
   <p:clrMapOvr>
     <a:masterClrMapping/>
   </p:clrMapOvr>
-  <mc:AlternateContent xmlns:mc="http://schemas.openxmlformats.org/markup-compatibility/2006" xmlns:p14="http://schemas.microsoft.com/office/powerpoint/2010/main">
-    <mc:Choice Requires="p14">
-      <p:transition spd="slow" p14:dur="1200">
-        <p14:prism/>
-      </p:transition>
-    </mc:Choice>
-    <mc:Fallback xmlns="">
-      <p:transition spd="slow">
-        <p:fade/>
-      </p:transition>
-    </mc:Fallback>
-  </mc:AlternateContent>
+  <p:transition spd="slow">
+    <p:push dir="u"/>
+  </p:transition>
 </p:sldLayout>
 </file>
 
@@ -3662,7 +3739,7 @@
           <a:p>
             <a:fld id="{997C1A73-3B37-45FA-B5EC-E87B1E5F6102}" type="datetimeFigureOut">
               <a:rPr lang="cs-CZ" smtClean="0"/>
-              <a:t>18.11.2023</a:t>
+              <a:t>07.12.2023</a:t>
             </a:fld>
             <a:endParaRPr lang="cs-CZ"/>
           </a:p>
@@ -4170,18 +4247,9 @@
   <p:clrMapOvr>
     <a:masterClrMapping/>
   </p:clrMapOvr>
-  <mc:AlternateContent xmlns:mc="http://schemas.openxmlformats.org/markup-compatibility/2006" xmlns:p14="http://schemas.microsoft.com/office/powerpoint/2010/main">
-    <mc:Choice Requires="p14">
-      <p:transition spd="slow" p14:dur="1200">
-        <p14:prism/>
-      </p:transition>
-    </mc:Choice>
-    <mc:Fallback xmlns="">
-      <p:transition spd="slow">
-        <p:fade/>
-      </p:transition>
-    </mc:Fallback>
-  </mc:AlternateContent>
+  <p:transition spd="slow">
+    <p:push dir="u"/>
+  </p:transition>
 </p:sldLayout>
 </file>
 
@@ -4319,7 +4387,7 @@
           <a:p>
             <a:fld id="{997C1A73-3B37-45FA-B5EC-E87B1E5F6102}" type="datetimeFigureOut">
               <a:rPr lang="cs-CZ" smtClean="0"/>
-              <a:t>18.11.2023</a:t>
+              <a:t>07.12.2023</a:t>
             </a:fld>
             <a:endParaRPr lang="cs-CZ"/>
           </a:p>
@@ -4830,18 +4898,9 @@
   <p:clrMapOvr>
     <a:masterClrMapping/>
   </p:clrMapOvr>
-  <mc:AlternateContent xmlns:mc="http://schemas.openxmlformats.org/markup-compatibility/2006" xmlns:p14="http://schemas.microsoft.com/office/powerpoint/2010/main">
-    <mc:Choice Requires="p14">
-      <p:transition spd="slow" p14:dur="1200">
-        <p14:prism/>
-      </p:transition>
-    </mc:Choice>
-    <mc:Fallback xmlns="">
-      <p:transition spd="slow">
-        <p:fade/>
-      </p:transition>
-    </mc:Fallback>
-  </mc:AlternateContent>
+  <p:transition spd="slow">
+    <p:push dir="u"/>
+  </p:transition>
 </p:sldLayout>
 </file>
 
@@ -5037,7 +5096,7 @@
           <a:p>
             <a:fld id="{997C1A73-3B37-45FA-B5EC-E87B1E5F6102}" type="datetimeFigureOut">
               <a:rPr lang="cs-CZ" smtClean="0"/>
-              <a:t>18.11.2023</a:t>
+              <a:t>07.12.2023</a:t>
             </a:fld>
             <a:endParaRPr lang="cs-CZ"/>
           </a:p>
@@ -5107,18 +5166,9 @@
   <p:clrMapOvr>
     <a:masterClrMapping/>
   </p:clrMapOvr>
-  <mc:AlternateContent xmlns:mc="http://schemas.openxmlformats.org/markup-compatibility/2006" xmlns:p14="http://schemas.microsoft.com/office/powerpoint/2010/main">
-    <mc:Choice Requires="p14">
-      <p:transition spd="slow" p14:dur="1200">
-        <p14:prism/>
-      </p:transition>
-    </mc:Choice>
-    <mc:Fallback xmlns="">
-      <p:transition spd="slow">
-        <p:fade/>
-      </p:transition>
-    </mc:Fallback>
-  </mc:AlternateContent>
+  <p:transition spd="slow">
+    <p:push dir="u"/>
+  </p:transition>
 </p:sldLayout>
 </file>
 
@@ -5461,7 +5511,7 @@
           <a:p>
             <a:fld id="{997C1A73-3B37-45FA-B5EC-E87B1E5F6102}" type="datetimeFigureOut">
               <a:rPr lang="cs-CZ" smtClean="0"/>
-              <a:t>18.11.2023</a:t>
+              <a:t>07.12.2023</a:t>
             </a:fld>
             <a:endParaRPr lang="cs-CZ"/>
           </a:p>
@@ -5531,18 +5581,9 @@
   <p:clrMapOvr>
     <a:masterClrMapping/>
   </p:clrMapOvr>
-  <mc:AlternateContent xmlns:mc="http://schemas.openxmlformats.org/markup-compatibility/2006" xmlns:p14="http://schemas.microsoft.com/office/powerpoint/2010/main">
-    <mc:Choice Requires="p14">
-      <p:transition spd="slow" p14:dur="1200">
-        <p14:prism/>
-      </p:transition>
-    </mc:Choice>
-    <mc:Fallback xmlns="">
-      <p:transition spd="slow">
-        <p:fade/>
-      </p:transition>
-    </mc:Fallback>
-  </mc:AlternateContent>
+  <p:transition spd="slow">
+    <p:push dir="u"/>
+  </p:transition>
 </p:sldLayout>
 </file>
 
@@ -5586,7 +5627,7 @@
           <a:p>
             <a:fld id="{997C1A73-3B37-45FA-B5EC-E87B1E5F6102}" type="datetimeFigureOut">
               <a:rPr lang="cs-CZ" smtClean="0"/>
-              <a:t>18.11.2023</a:t>
+              <a:t>07.12.2023</a:t>
             </a:fld>
             <a:endParaRPr lang="cs-CZ"/>
           </a:p>
@@ -5656,18 +5697,9 @@
   <p:clrMapOvr>
     <a:masterClrMapping/>
   </p:clrMapOvr>
-  <mc:AlternateContent xmlns:mc="http://schemas.openxmlformats.org/markup-compatibility/2006" xmlns:p14="http://schemas.microsoft.com/office/powerpoint/2010/main">
-    <mc:Choice Requires="p14">
-      <p:transition spd="slow" p14:dur="1200">
-        <p14:prism/>
-      </p:transition>
-    </mc:Choice>
-    <mc:Fallback xmlns="">
-      <p:transition spd="slow">
-        <p:fade/>
-      </p:transition>
-    </mc:Fallback>
-  </mc:AlternateContent>
+  <p:transition spd="slow">
+    <p:push dir="u"/>
+  </p:transition>
 </p:sldLayout>
 </file>
 
@@ -5909,7 +5941,7 @@
           <a:p>
             <a:fld id="{997C1A73-3B37-45FA-B5EC-E87B1E5F6102}" type="datetimeFigureOut">
               <a:rPr lang="cs-CZ" smtClean="0"/>
-              <a:t>18.11.2023</a:t>
+              <a:t>07.12.2023</a:t>
             </a:fld>
             <a:endParaRPr lang="cs-CZ"/>
           </a:p>
@@ -5979,18 +6011,9 @@
   <p:clrMapOvr>
     <a:masterClrMapping/>
   </p:clrMapOvr>
-  <mc:AlternateContent xmlns:mc="http://schemas.openxmlformats.org/markup-compatibility/2006" xmlns:p14="http://schemas.microsoft.com/office/powerpoint/2010/main">
-    <mc:Choice Requires="p14">
-      <p:transition spd="slow" p14:dur="1200">
-        <p14:prism/>
-      </p:transition>
-    </mc:Choice>
-    <mc:Fallback xmlns="">
-      <p:transition spd="slow">
-        <p:fade/>
-      </p:transition>
-    </mc:Fallback>
-  </mc:AlternateContent>
+  <p:transition spd="slow">
+    <p:push dir="u"/>
+  </p:transition>
 </p:sldLayout>
 </file>
 
@@ -6212,7 +6235,7 @@
           <a:p>
             <a:fld id="{997C1A73-3B37-45FA-B5EC-E87B1E5F6102}" type="datetimeFigureOut">
               <a:rPr lang="cs-CZ" smtClean="0"/>
-              <a:t>18.11.2023</a:t>
+              <a:t>07.12.2023</a:t>
             </a:fld>
             <a:endParaRPr lang="cs-CZ"/>
           </a:p>
@@ -6282,18 +6305,9 @@
   <p:clrMapOvr>
     <a:masterClrMapping/>
   </p:clrMapOvr>
-  <mc:AlternateContent xmlns:mc="http://schemas.openxmlformats.org/markup-compatibility/2006" xmlns:p14="http://schemas.microsoft.com/office/powerpoint/2010/main">
-    <mc:Choice Requires="p14">
-      <p:transition spd="slow" p14:dur="1200">
-        <p14:prism/>
-      </p:transition>
-    </mc:Choice>
-    <mc:Fallback xmlns="">
-      <p:transition spd="slow">
-        <p:fade/>
-      </p:transition>
-    </mc:Fallback>
-  </mc:AlternateContent>
+  <p:transition spd="slow">
+    <p:push dir="u"/>
+  </p:transition>
 </p:sldLayout>
 </file>
 
@@ -6465,7 +6479,7 @@
           <a:p>
             <a:fld id="{997C1A73-3B37-45FA-B5EC-E87B1E5F6102}" type="datetimeFigureOut">
               <a:rPr lang="cs-CZ" smtClean="0"/>
-              <a:t>18.11.2023</a:t>
+              <a:t>07.12.2023</a:t>
             </a:fld>
             <a:endParaRPr lang="cs-CZ"/>
           </a:p>
@@ -6583,18 +6597,9 @@
     <p:sldLayoutId id="2147483671" r:id="rId11"/>
     <p:sldLayoutId id="2147483672" r:id="rId12"/>
   </p:sldLayoutIdLst>
-  <mc:AlternateContent xmlns:mc="http://schemas.openxmlformats.org/markup-compatibility/2006" xmlns:p14="http://schemas.microsoft.com/office/powerpoint/2010/main">
-    <mc:Choice Requires="p14">
-      <p:transition spd="slow" p14:dur="1200">
-        <p14:prism/>
-      </p:transition>
-    </mc:Choice>
-    <mc:Fallback xmlns="">
-      <p:transition spd="slow">
-        <p:fade/>
-      </p:transition>
-    </mc:Fallback>
-  </mc:AlternateContent>
+  <p:transition spd="slow">
+    <p:push dir="u"/>
+  </p:transition>
   <p:txStyles>
     <p:titleStyle>
       <a:lvl1pPr algn="l" defTabSz="914400" rtl="0" eaLnBrk="1" latinLnBrk="0" hangingPunct="1">
@@ -7328,18 +7333,9 @@
   <p:clrMapOvr>
     <a:masterClrMapping/>
   </p:clrMapOvr>
-  <mc:AlternateContent xmlns:mc="http://schemas.openxmlformats.org/markup-compatibility/2006" xmlns:p14="http://schemas.microsoft.com/office/powerpoint/2010/main">
-    <mc:Choice Requires="p14">
-      <p:transition spd="slow" p14:dur="1200">
-        <p14:prism/>
-      </p:transition>
-    </mc:Choice>
-    <mc:Fallback xmlns="">
-      <p:transition spd="slow">
-        <p:fade/>
-      </p:transition>
-    </mc:Fallback>
-  </mc:AlternateContent>
+  <p:transition spd="slow">
+    <p:push dir="u"/>
+  </p:transition>
 </p:sld>
 </file>
 
@@ -7430,7 +7426,7 @@
         </p:nvSpPr>
         <p:spPr>
           <a:xfrm>
-            <a:off x="1250950" y="2062637"/>
+            <a:off x="1409697" y="2058315"/>
             <a:ext cx="3276600" cy="1346200"/>
           </a:xfrm>
           <a:prstGeom prst="rect">
@@ -7487,7 +7483,7 @@
         </p:nvSpPr>
         <p:spPr>
           <a:xfrm>
-            <a:off x="1747635" y="3542184"/>
+            <a:off x="3075713" y="3614548"/>
             <a:ext cx="2296886" cy="925286"/>
           </a:xfrm>
           <a:prstGeom prst="rect">
@@ -7540,7 +7536,7 @@
         </p:nvSpPr>
         <p:spPr>
           <a:xfrm>
-            <a:off x="1740807" y="4600817"/>
+            <a:off x="424665" y="5230008"/>
             <a:ext cx="2296886" cy="925286"/>
           </a:xfrm>
           <a:prstGeom prst="rect">
@@ -7593,8 +7589,8 @@
         </p:nvSpPr>
         <p:spPr>
           <a:xfrm>
-            <a:off x="1740807" y="5659450"/>
-            <a:ext cx="2296886" cy="925286"/>
+            <a:off x="3075713" y="5231992"/>
+            <a:ext cx="2296886" cy="923302"/>
           </a:xfrm>
           <a:prstGeom prst="rect">
             <a:avLst/>
@@ -7876,8 +7872,8 @@
         </p:blipFill>
         <p:spPr bwMode="auto">
           <a:xfrm>
-            <a:off x="5166657" y="4156527"/>
-            <a:ext cx="1348443" cy="2428209"/>
+            <a:off x="5933771" y="4039902"/>
+            <a:ext cx="1205056" cy="2170004"/>
           </a:xfrm>
           <a:prstGeom prst="rect">
             <a:avLst/>
@@ -7894,6 +7890,283 @@
           </a:extLst>
         </p:spPr>
       </p:pic>
+      <p:sp>
+        <p:nvSpPr>
+          <p:cNvPr id="2" name="TextovéPole 1">
+            <a:extLst>
+              <a:ext uri="{FF2B5EF4-FFF2-40B4-BE49-F238E27FC236}">
+                <a16:creationId xmlns:a16="http://schemas.microsoft.com/office/drawing/2014/main" id="{37573B16-E089-8B02-F697-48E82B0E4475}"/>
+              </a:ext>
+            </a:extLst>
+          </p:cNvPr>
+          <p:cNvSpPr txBox="1"/>
+          <p:nvPr/>
+        </p:nvSpPr>
+        <p:spPr>
+          <a:xfrm>
+            <a:off x="10244365" y="6012731"/>
+            <a:ext cx="1857988" cy="369332"/>
+          </a:xfrm>
+          <a:prstGeom prst="rect">
+            <a:avLst/>
+          </a:prstGeom>
+          <a:noFill/>
+        </p:spPr>
+        <p:txBody>
+          <a:bodyPr wrap="square" rtlCol="0">
+            <a:spAutoFit/>
+          </a:bodyPr>
+          <a:lstStyle/>
+          <a:p>
+            <a:r>
+              <a:rPr lang="cs-CZ" dirty="0"/>
+              <a:t>validace čísla</a:t>
+            </a:r>
+          </a:p>
+        </p:txBody>
+      </p:sp>
+      <p:sp>
+        <p:nvSpPr>
+          <p:cNvPr id="3" name="TextovéPole 2">
+            <a:extLst>
+              <a:ext uri="{FF2B5EF4-FFF2-40B4-BE49-F238E27FC236}">
+                <a16:creationId xmlns:a16="http://schemas.microsoft.com/office/drawing/2014/main" id="{A871F229-D506-5B80-4CB2-8089B7E47B00}"/>
+              </a:ext>
+            </a:extLst>
+          </p:cNvPr>
+          <p:cNvSpPr txBox="1"/>
+          <p:nvPr/>
+        </p:nvSpPr>
+        <p:spPr>
+          <a:xfrm>
+            <a:off x="10169521" y="4640392"/>
+            <a:ext cx="2116172" cy="923330"/>
+          </a:xfrm>
+          <a:prstGeom prst="rect">
+            <a:avLst/>
+          </a:prstGeom>
+          <a:noFill/>
+        </p:spPr>
+        <p:txBody>
+          <a:bodyPr wrap="square" rtlCol="0">
+            <a:spAutoFit/>
+          </a:bodyPr>
+          <a:lstStyle/>
+          <a:p>
+            <a:r>
+              <a:rPr lang="cs-CZ" dirty="0"/>
+              <a:t>načte koeficienty       a uloží je do pole      v </a:t>
+            </a:r>
+            <a:r>
+              <a:rPr lang="cs-CZ" b="1" dirty="0"/>
+              <a:t>obráceném pořadí  </a:t>
+            </a:r>
+          </a:p>
+        </p:txBody>
+      </p:sp>
+      <p:sp>
+        <p:nvSpPr>
+          <p:cNvPr id="6" name="Obdélník 5">
+            <a:extLst>
+              <a:ext uri="{FF2B5EF4-FFF2-40B4-BE49-F238E27FC236}">
+                <a16:creationId xmlns:a16="http://schemas.microsoft.com/office/drawing/2014/main" id="{707A924F-E092-C61A-50F4-C2DAA0AD8ED7}"/>
+              </a:ext>
+            </a:extLst>
+          </p:cNvPr>
+          <p:cNvSpPr/>
+          <p:nvPr/>
+        </p:nvSpPr>
+        <p:spPr>
+          <a:xfrm>
+            <a:off x="424665" y="3614548"/>
+            <a:ext cx="2296886" cy="925286"/>
+          </a:xfrm>
+          <a:prstGeom prst="rect">
+            <a:avLst/>
+          </a:prstGeom>
+          <a:solidFill>
+            <a:schemeClr val="accent2">
+              <a:lumMod val="75000"/>
+            </a:schemeClr>
+          </a:solidFill>
+        </p:spPr>
+        <p:style>
+          <a:lnRef idx="2">
+            <a:schemeClr val="accent1">
+              <a:shade val="15000"/>
+            </a:schemeClr>
+          </a:lnRef>
+          <a:fillRef idx="1">
+            <a:schemeClr val="accent1"/>
+          </a:fillRef>
+          <a:effectRef idx="0">
+            <a:schemeClr val="accent1"/>
+          </a:effectRef>
+          <a:fontRef idx="minor">
+            <a:schemeClr val="lt1"/>
+          </a:fontRef>
+        </p:style>
+        <p:txBody>
+          <a:bodyPr rtlCol="0" anchor="ctr"/>
+          <a:lstStyle/>
+          <a:p>
+            <a:pPr algn="ctr"/>
+            <a:r>
+              <a:rPr lang="cs-CZ" dirty="0" err="1"/>
+              <a:t>degree</a:t>
+            </a:r>
+            <a:r>
+              <a:rPr lang="cs-CZ" dirty="0"/>
+              <a:t>, </a:t>
+            </a:r>
+            <a:r>
+              <a:rPr lang="cs-CZ" dirty="0" err="1"/>
+              <a:t>coefficients</a:t>
+            </a:r>
+            <a:endParaRPr lang="cs-CZ" dirty="0"/>
+          </a:p>
+        </p:txBody>
+      </p:sp>
+      <p:sp>
+        <p:nvSpPr>
+          <p:cNvPr id="8" name="TextovéPole 7">
+            <a:extLst>
+              <a:ext uri="{FF2B5EF4-FFF2-40B4-BE49-F238E27FC236}">
+                <a16:creationId xmlns:a16="http://schemas.microsoft.com/office/drawing/2014/main" id="{4B46D40E-0250-B89B-A683-44F26E59AAF6}"/>
+              </a:ext>
+            </a:extLst>
+          </p:cNvPr>
+          <p:cNvSpPr txBox="1"/>
+          <p:nvPr/>
+        </p:nvSpPr>
+        <p:spPr>
+          <a:xfrm>
+            <a:off x="1094619" y="4539834"/>
+            <a:ext cx="1857988" cy="369332"/>
+          </a:xfrm>
+          <a:prstGeom prst="rect">
+            <a:avLst/>
+          </a:prstGeom>
+          <a:noFill/>
+        </p:spPr>
+        <p:txBody>
+          <a:bodyPr wrap="square" rtlCol="0">
+            <a:spAutoFit/>
+          </a:bodyPr>
+          <a:lstStyle/>
+          <a:p>
+            <a:r>
+              <a:rPr lang="cs-CZ" b="1" dirty="0"/>
+              <a:t>atributy</a:t>
+            </a:r>
+          </a:p>
+        </p:txBody>
+      </p:sp>
+      <p:sp>
+        <p:nvSpPr>
+          <p:cNvPr id="9" name="TextovéPole 8">
+            <a:extLst>
+              <a:ext uri="{FF2B5EF4-FFF2-40B4-BE49-F238E27FC236}">
+                <a16:creationId xmlns:a16="http://schemas.microsoft.com/office/drawing/2014/main" id="{FAB76631-D66C-1D00-0E9A-4F827740C11B}"/>
+              </a:ext>
+            </a:extLst>
+          </p:cNvPr>
+          <p:cNvSpPr txBox="1"/>
+          <p:nvPr/>
+        </p:nvSpPr>
+        <p:spPr>
+          <a:xfrm>
+            <a:off x="3282723" y="4539834"/>
+            <a:ext cx="2083424" cy="369332"/>
+          </a:xfrm>
+          <a:prstGeom prst="rect">
+            <a:avLst/>
+          </a:prstGeom>
+          <a:noFill/>
+        </p:spPr>
+        <p:txBody>
+          <a:bodyPr wrap="square" rtlCol="0">
+            <a:spAutoFit/>
+          </a:bodyPr>
+          <a:lstStyle/>
+          <a:p>
+            <a:r>
+              <a:rPr lang="cs-CZ" dirty="0"/>
+              <a:t>sčítání mnohočlenů</a:t>
+            </a:r>
+          </a:p>
+        </p:txBody>
+      </p:sp>
+      <p:sp>
+        <p:nvSpPr>
+          <p:cNvPr id="14" name="TextovéPole 13">
+            <a:extLst>
+              <a:ext uri="{FF2B5EF4-FFF2-40B4-BE49-F238E27FC236}">
+                <a16:creationId xmlns:a16="http://schemas.microsoft.com/office/drawing/2014/main" id="{81654E02-485F-AC13-0978-68BE97876479}"/>
+              </a:ext>
+            </a:extLst>
+          </p:cNvPr>
+          <p:cNvSpPr txBox="1"/>
+          <p:nvPr/>
+        </p:nvSpPr>
+        <p:spPr>
+          <a:xfrm>
+            <a:off x="424665" y="6197397"/>
+            <a:ext cx="2421211" cy="369332"/>
+          </a:xfrm>
+          <a:prstGeom prst="rect">
+            <a:avLst/>
+          </a:prstGeom>
+          <a:noFill/>
+        </p:spPr>
+        <p:txBody>
+          <a:bodyPr wrap="square" rtlCol="0">
+            <a:spAutoFit/>
+          </a:bodyPr>
+          <a:lstStyle/>
+          <a:p>
+            <a:r>
+              <a:rPr lang="cs-CZ" dirty="0"/>
+              <a:t>násobení mnohočlenů</a:t>
+            </a:r>
+          </a:p>
+        </p:txBody>
+      </p:sp>
+      <p:sp>
+        <p:nvSpPr>
+          <p:cNvPr id="18" name="TextovéPole 17">
+            <a:extLst>
+              <a:ext uri="{FF2B5EF4-FFF2-40B4-BE49-F238E27FC236}">
+                <a16:creationId xmlns:a16="http://schemas.microsoft.com/office/drawing/2014/main" id="{8D60D98E-C250-EFF2-2994-234DFE76BA6B}"/>
+              </a:ext>
+            </a:extLst>
+          </p:cNvPr>
+          <p:cNvSpPr txBox="1"/>
+          <p:nvPr/>
+        </p:nvSpPr>
+        <p:spPr>
+          <a:xfrm>
+            <a:off x="3305550" y="6181374"/>
+            <a:ext cx="2421211" cy="369332"/>
+          </a:xfrm>
+          <a:prstGeom prst="rect">
+            <a:avLst/>
+          </a:prstGeom>
+          <a:noFill/>
+        </p:spPr>
+        <p:txBody>
+          <a:bodyPr wrap="square" rtlCol="0">
+            <a:spAutoFit/>
+          </a:bodyPr>
+          <a:lstStyle/>
+          <a:p>
+            <a:r>
+              <a:rPr lang="cs-CZ" dirty="0"/>
+              <a:t>výpis mnohočlenů</a:t>
+            </a:r>
+          </a:p>
+        </p:txBody>
+      </p:sp>
     </p:spTree>
     <p:extLst>
       <p:ext uri="{BB962C8B-B14F-4D97-AF65-F5344CB8AC3E}">
@@ -7904,18 +8177,9 @@
   <p:clrMapOvr>
     <a:masterClrMapping/>
   </p:clrMapOvr>
-  <mc:AlternateContent xmlns:mc="http://schemas.openxmlformats.org/markup-compatibility/2006" xmlns:p14="http://schemas.microsoft.com/office/powerpoint/2010/main">
-    <mc:Choice Requires="p14">
-      <p:transition spd="slow" p14:dur="1200">
-        <p14:prism/>
-      </p:transition>
-    </mc:Choice>
-    <mc:Fallback xmlns="">
-      <p:transition spd="slow">
-        <p:fade/>
-      </p:transition>
-    </mc:Fallback>
-  </mc:AlternateContent>
+  <p:transition spd="slow">
+    <p:push dir="u"/>
+  </p:transition>
   <p:timing>
     <p:tnLst>
       <p:par>
@@ -8117,7 +8381,7 @@
                                           </p:stCondLst>
                                         </p:cTn>
                                         <p:tgtEl>
-                                          <p:spTgt spid="10"/>
+                                          <p:spTgt spid="6"/>
                                         </p:tgtEl>
                                         <p:attrNameLst>
                                           <p:attrName>style.visibility</p:attrName>
@@ -8131,7 +8395,42 @@
                                       <p:cBhvr>
                                         <p:cTn id="17" dur="500"/>
                                         <p:tgtEl>
-                                          <p:spTgt spid="10"/>
+                                          <p:spTgt spid="6"/>
+                                        </p:tgtEl>
+                                      </p:cBhvr>
+                                    </p:animEffect>
+                                  </p:childTnLst>
+                                </p:cTn>
+                              </p:par>
+                              <p:par>
+                                <p:cTn id="18" presetID="16" presetClass="entr" presetSubtype="21" fill="hold" grpId="0" nodeType="withEffect">
+                                  <p:stCondLst>
+                                    <p:cond delay="0"/>
+                                  </p:stCondLst>
+                                  <p:childTnLst>
+                                    <p:set>
+                                      <p:cBhvr>
+                                        <p:cTn id="19" dur="1" fill="hold">
+                                          <p:stCondLst>
+                                            <p:cond delay="0"/>
+                                          </p:stCondLst>
+                                        </p:cTn>
+                                        <p:tgtEl>
+                                          <p:spTgt spid="8"/>
+                                        </p:tgtEl>
+                                        <p:attrNameLst>
+                                          <p:attrName>style.visibility</p:attrName>
+                                        </p:attrNameLst>
+                                      </p:cBhvr>
+                                      <p:to>
+                                        <p:strVal val="visible"/>
+                                      </p:to>
+                                    </p:set>
+                                    <p:animEffect transition="in" filter="barn(inVertical)">
+                                      <p:cBhvr>
+                                        <p:cTn id="20" dur="500"/>
+                                        <p:tgtEl>
+                                          <p:spTgt spid="8"/>
                                         </p:tgtEl>
                                       </p:cBhvr>
                                     </p:animEffect>
@@ -8142,20 +8441,99 @@
                           </p:cTn>
                         </p:par>
                         <p:par>
-                          <p:cTn id="18" fill="hold">
+                          <p:cTn id="21" fill="hold">
                             <p:stCondLst>
                               <p:cond delay="500"/>
                             </p:stCondLst>
                             <p:childTnLst>
                               <p:par>
-                                <p:cTn id="19" presetID="16" presetClass="entr" presetSubtype="21" fill="hold" grpId="0" nodeType="afterEffect">
+                                <p:cTn id="22" presetID="16" presetClass="entr" presetSubtype="21" fill="hold" grpId="0" nodeType="afterEffect">
                                   <p:stCondLst>
                                     <p:cond delay="0"/>
                                   </p:stCondLst>
                                   <p:childTnLst>
                                     <p:set>
                                       <p:cBhvr>
-                                        <p:cTn id="20" dur="1" fill="hold">
+                                        <p:cTn id="23" dur="1" fill="hold">
+                                          <p:stCondLst>
+                                            <p:cond delay="0"/>
+                                          </p:stCondLst>
+                                        </p:cTn>
+                                        <p:tgtEl>
+                                          <p:spTgt spid="10"/>
+                                        </p:tgtEl>
+                                        <p:attrNameLst>
+                                          <p:attrName>style.visibility</p:attrName>
+                                        </p:attrNameLst>
+                                      </p:cBhvr>
+                                      <p:to>
+                                        <p:strVal val="visible"/>
+                                      </p:to>
+                                    </p:set>
+                                    <p:animEffect transition="in" filter="barn(inVertical)">
+                                      <p:cBhvr>
+                                        <p:cTn id="24" dur="500"/>
+                                        <p:tgtEl>
+                                          <p:spTgt spid="10"/>
+                                        </p:tgtEl>
+                                      </p:cBhvr>
+                                    </p:animEffect>
+                                  </p:childTnLst>
+                                </p:cTn>
+                              </p:par>
+                              <p:par>
+                                <p:cTn id="25" presetID="16" presetClass="entr" presetSubtype="21" fill="hold" grpId="0" nodeType="withEffect">
+                                  <p:stCondLst>
+                                    <p:cond delay="0"/>
+                                  </p:stCondLst>
+                                  <p:childTnLst>
+                                    <p:set>
+                                      <p:cBhvr>
+                                        <p:cTn id="26" dur="1" fill="hold">
+                                          <p:stCondLst>
+                                            <p:cond delay="0"/>
+                                          </p:stCondLst>
+                                        </p:cTn>
+                                        <p:tgtEl>
+                                          <p:spTgt spid="9"/>
+                                        </p:tgtEl>
+                                        <p:attrNameLst>
+                                          <p:attrName>style.visibility</p:attrName>
+                                        </p:attrNameLst>
+                                      </p:cBhvr>
+                                      <p:to>
+                                        <p:strVal val="visible"/>
+                                      </p:to>
+                                    </p:set>
+                                    <p:animEffect transition="in" filter="barn(inVertical)">
+                                      <p:cBhvr>
+                                        <p:cTn id="27" dur="500"/>
+                                        <p:tgtEl>
+                                          <p:spTgt spid="9"/>
+                                        </p:tgtEl>
+                                      </p:cBhvr>
+                                    </p:animEffect>
+                                  </p:childTnLst>
+                                </p:cTn>
+                              </p:par>
+                            </p:childTnLst>
+                          </p:cTn>
+                        </p:par>
+                        <p:par>
+                          <p:cTn id="28" fill="hold">
+                            <p:stCondLst>
+                              <p:cond delay="1000"/>
+                            </p:stCondLst>
+                            <p:childTnLst>
+                              <p:par>
+                                <p:cTn id="29" presetID="16" presetClass="entr" presetSubtype="21" fill="hold" grpId="0" nodeType="afterEffect">
+                                  <p:stCondLst>
+                                    <p:cond delay="0"/>
+                                  </p:stCondLst>
+                                  <p:childTnLst>
+                                    <p:set>
+                                      <p:cBhvr>
+                                        <p:cTn id="30" dur="1" fill="hold">
                                           <p:stCondLst>
                                             <p:cond delay="0"/>
                                           </p:stCondLst>
@@ -8173,9 +8551,44 @@
                                     </p:set>
                                     <p:animEffect transition="in" filter="barn(inVertical)">
                                       <p:cBhvr>
-                                        <p:cTn id="21" dur="500"/>
+                                        <p:cTn id="31" dur="500"/>
                                         <p:tgtEl>
                                           <p:spTgt spid="11"/>
+                                        </p:tgtEl>
+                                      </p:cBhvr>
+                                    </p:animEffect>
+                                  </p:childTnLst>
+                                </p:cTn>
+                              </p:par>
+                              <p:par>
+                                <p:cTn id="32" presetID="16" presetClass="entr" presetSubtype="21" fill="hold" grpId="0" nodeType="withEffect">
+                                  <p:stCondLst>
+                                    <p:cond delay="0"/>
+                                  </p:stCondLst>
+                                  <p:childTnLst>
+                                    <p:set>
+                                      <p:cBhvr>
+                                        <p:cTn id="33" dur="1" fill="hold">
+                                          <p:stCondLst>
+                                            <p:cond delay="0"/>
+                                          </p:stCondLst>
+                                        </p:cTn>
+                                        <p:tgtEl>
+                                          <p:spTgt spid="14"/>
+                                        </p:tgtEl>
+                                        <p:attrNameLst>
+                                          <p:attrName>style.visibility</p:attrName>
+                                        </p:attrNameLst>
+                                      </p:cBhvr>
+                                      <p:to>
+                                        <p:strVal val="visible"/>
+                                      </p:to>
+                                    </p:set>
+                                    <p:animEffect transition="in" filter="barn(inVertical)">
+                                      <p:cBhvr>
+                                        <p:cTn id="34" dur="500"/>
+                                        <p:tgtEl>
+                                          <p:spTgt spid="14"/>
                                         </p:tgtEl>
                                       </p:cBhvr>
                                     </p:animEffect>
@@ -8186,20 +8599,20 @@
                           </p:cTn>
                         </p:par>
                         <p:par>
-                          <p:cTn id="22" fill="hold">
+                          <p:cTn id="35" fill="hold">
                             <p:stCondLst>
-                              <p:cond delay="1000"/>
+                              <p:cond delay="1500"/>
                             </p:stCondLst>
                             <p:childTnLst>
                               <p:par>
-                                <p:cTn id="23" presetID="16" presetClass="entr" presetSubtype="21" fill="hold" grpId="0" nodeType="afterEffect">
+                                <p:cTn id="36" presetID="16" presetClass="entr" presetSubtype="21" fill="hold" grpId="0" nodeType="afterEffect">
                                   <p:stCondLst>
                                     <p:cond delay="0"/>
                                   </p:stCondLst>
                                   <p:childTnLst>
                                     <p:set>
                                       <p:cBhvr>
-                                        <p:cTn id="24" dur="1" fill="hold">
+                                        <p:cTn id="37" dur="1" fill="hold">
                                           <p:stCondLst>
                                             <p:cond delay="0"/>
                                           </p:stCondLst>
@@ -8217,9 +8630,44 @@
                                     </p:set>
                                     <p:animEffect transition="in" filter="barn(inVertical)">
                                       <p:cBhvr>
-                                        <p:cTn id="25" dur="500"/>
+                                        <p:cTn id="38" dur="500"/>
                                         <p:tgtEl>
                                           <p:spTgt spid="12"/>
+                                        </p:tgtEl>
+                                      </p:cBhvr>
+                                    </p:animEffect>
+                                  </p:childTnLst>
+                                </p:cTn>
+                              </p:par>
+                              <p:par>
+                                <p:cTn id="39" presetID="16" presetClass="entr" presetSubtype="21" fill="hold" grpId="0" nodeType="withEffect">
+                                  <p:stCondLst>
+                                    <p:cond delay="0"/>
+                                  </p:stCondLst>
+                                  <p:childTnLst>
+                                    <p:set>
+                                      <p:cBhvr>
+                                        <p:cTn id="40" dur="1" fill="hold">
+                                          <p:stCondLst>
+                                            <p:cond delay="0"/>
+                                          </p:stCondLst>
+                                        </p:cTn>
+                                        <p:tgtEl>
+                                          <p:spTgt spid="18"/>
+                                        </p:tgtEl>
+                                        <p:attrNameLst>
+                                          <p:attrName>style.visibility</p:attrName>
+                                        </p:attrNameLst>
+                                      </p:cBhvr>
+                                      <p:to>
+                                        <p:strVal val="visible"/>
+                                      </p:to>
+                                    </p:set>
+                                    <p:animEffect transition="in" filter="barn(inVertical)">
+                                      <p:cBhvr>
+                                        <p:cTn id="41" dur="500"/>
+                                        <p:tgtEl>
+                                          <p:spTgt spid="18"/>
                                         </p:tgtEl>
                                       </p:cBhvr>
                                     </p:animEffect>
@@ -8233,26 +8681,26 @@
                     </p:cTn>
                   </p:par>
                   <p:par>
-                    <p:cTn id="26" fill="hold">
+                    <p:cTn id="42" fill="hold">
                       <p:stCondLst>
                         <p:cond delay="indefinite"/>
                       </p:stCondLst>
                       <p:childTnLst>
                         <p:par>
-                          <p:cTn id="27" fill="hold">
+                          <p:cTn id="43" fill="hold">
                             <p:stCondLst>
                               <p:cond delay="0"/>
                             </p:stCondLst>
                             <p:childTnLst>
                               <p:par>
-                                <p:cTn id="28" presetID="16" presetClass="entr" presetSubtype="21" fill="hold" grpId="0" nodeType="clickEffect">
+                                <p:cTn id="44" presetID="16" presetClass="entr" presetSubtype="21" fill="hold" grpId="0" nodeType="clickEffect">
                                   <p:stCondLst>
                                     <p:cond delay="0"/>
                                   </p:stCondLst>
                                   <p:childTnLst>
                                     <p:set>
                                       <p:cBhvr>
-                                        <p:cTn id="29" dur="1" fill="hold">
+                                        <p:cTn id="45" dur="1" fill="hold">
                                           <p:stCondLst>
                                             <p:cond delay="0"/>
                                           </p:stCondLst>
@@ -8270,7 +8718,7 @@
                                     </p:set>
                                     <p:animEffect transition="in" filter="barn(inVertical)">
                                       <p:cBhvr>
-                                        <p:cTn id="30" dur="500"/>
+                                        <p:cTn id="46" dur="500"/>
                                         <p:tgtEl>
                                           <p:spTgt spid="15"/>
                                         </p:tgtEl>
@@ -8283,20 +8731,20 @@
                           </p:cTn>
                         </p:par>
                         <p:par>
-                          <p:cTn id="31" fill="hold">
+                          <p:cTn id="47" fill="hold">
                             <p:stCondLst>
                               <p:cond delay="500"/>
                             </p:stCondLst>
                             <p:childTnLst>
                               <p:par>
-                                <p:cTn id="32" presetID="16" presetClass="entr" presetSubtype="21" fill="hold" grpId="0" nodeType="afterEffect">
+                                <p:cTn id="48" presetID="16" presetClass="entr" presetSubtype="21" fill="hold" grpId="0" nodeType="afterEffect">
                                   <p:stCondLst>
                                     <p:cond delay="0"/>
                                   </p:stCondLst>
                                   <p:childTnLst>
                                     <p:set>
                                       <p:cBhvr>
-                                        <p:cTn id="33" dur="1" fill="hold">
+                                        <p:cTn id="49" dur="1" fill="hold">
                                           <p:stCondLst>
                                             <p:cond delay="0"/>
                                           </p:stCondLst>
@@ -8314,9 +8762,44 @@
                                     </p:set>
                                     <p:animEffect transition="in" filter="barn(inVertical)">
                                       <p:cBhvr>
-                                        <p:cTn id="34" dur="500"/>
+                                        <p:cTn id="50" dur="500"/>
                                         <p:tgtEl>
                                           <p:spTgt spid="16"/>
+                                        </p:tgtEl>
+                                      </p:cBhvr>
+                                    </p:animEffect>
+                                  </p:childTnLst>
+                                </p:cTn>
+                              </p:par>
+                              <p:par>
+                                <p:cTn id="51" presetID="16" presetClass="entr" presetSubtype="21" fill="hold" grpId="0" nodeType="withEffect">
+                                  <p:stCondLst>
+                                    <p:cond delay="0"/>
+                                  </p:stCondLst>
+                                  <p:childTnLst>
+                                    <p:set>
+                                      <p:cBhvr>
+                                        <p:cTn id="52" dur="1" fill="hold">
+                                          <p:stCondLst>
+                                            <p:cond delay="0"/>
+                                          </p:stCondLst>
+                                        </p:cTn>
+                                        <p:tgtEl>
+                                          <p:spTgt spid="3"/>
+                                        </p:tgtEl>
+                                        <p:attrNameLst>
+                                          <p:attrName>style.visibility</p:attrName>
+                                        </p:attrNameLst>
+                                      </p:cBhvr>
+                                      <p:to>
+                                        <p:strVal val="visible"/>
+                                      </p:to>
+                                    </p:set>
+                                    <p:animEffect transition="in" filter="barn(inVertical)">
+                                      <p:cBhvr>
+                                        <p:cTn id="53" dur="500"/>
+                                        <p:tgtEl>
+                                          <p:spTgt spid="3"/>
                                         </p:tgtEl>
                                       </p:cBhvr>
                                     </p:animEffect>
@@ -8327,20 +8810,20 @@
                           </p:cTn>
                         </p:par>
                         <p:par>
-                          <p:cTn id="35" fill="hold">
+                          <p:cTn id="54" fill="hold">
                             <p:stCondLst>
                               <p:cond delay="1000"/>
                             </p:stCondLst>
                             <p:childTnLst>
                               <p:par>
-                                <p:cTn id="36" presetID="16" presetClass="entr" presetSubtype="21" fill="hold" grpId="0" nodeType="afterEffect">
+                                <p:cTn id="55" presetID="16" presetClass="entr" presetSubtype="21" fill="hold" grpId="0" nodeType="afterEffect">
                                   <p:stCondLst>
                                     <p:cond delay="0"/>
                                   </p:stCondLst>
                                   <p:childTnLst>
                                     <p:set>
                                       <p:cBhvr>
-                                        <p:cTn id="37" dur="1" fill="hold">
+                                        <p:cTn id="56" dur="1" fill="hold">
                                           <p:stCondLst>
                                             <p:cond delay="0"/>
                                           </p:stCondLst>
@@ -8358,9 +8841,44 @@
                                     </p:set>
                                     <p:animEffect transition="in" filter="barn(inVertical)">
                                       <p:cBhvr>
-                                        <p:cTn id="38" dur="500"/>
+                                        <p:cTn id="57" dur="500"/>
                                         <p:tgtEl>
                                           <p:spTgt spid="17"/>
+                                        </p:tgtEl>
+                                      </p:cBhvr>
+                                    </p:animEffect>
+                                  </p:childTnLst>
+                                </p:cTn>
+                              </p:par>
+                              <p:par>
+                                <p:cTn id="58" presetID="16" presetClass="entr" presetSubtype="21" fill="hold" grpId="0" nodeType="withEffect">
+                                  <p:stCondLst>
+                                    <p:cond delay="0"/>
+                                  </p:stCondLst>
+                                  <p:childTnLst>
+                                    <p:set>
+                                      <p:cBhvr>
+                                        <p:cTn id="59" dur="1" fill="hold">
+                                          <p:stCondLst>
+                                            <p:cond delay="0"/>
+                                          </p:stCondLst>
+                                        </p:cTn>
+                                        <p:tgtEl>
+                                          <p:spTgt spid="2"/>
+                                        </p:tgtEl>
+                                        <p:attrNameLst>
+                                          <p:attrName>style.visibility</p:attrName>
+                                        </p:attrNameLst>
+                                      </p:cBhvr>
+                                      <p:to>
+                                        <p:strVal val="visible"/>
+                                      </p:to>
+                                    </p:set>
+                                    <p:animEffect transition="in" filter="barn(inVertical)">
+                                      <p:cBhvr>
+                                        <p:cTn id="60" dur="500"/>
+                                        <p:tgtEl>
+                                          <p:spTgt spid="2"/>
                                         </p:tgtEl>
                                       </p:cBhvr>
                                     </p:animEffect>
@@ -8371,20 +8889,20 @@
                           </p:cTn>
                         </p:par>
                         <p:par>
-                          <p:cTn id="39" fill="hold">
+                          <p:cTn id="61" fill="hold">
                             <p:stCondLst>
                               <p:cond delay="1500"/>
                             </p:stCondLst>
                             <p:childTnLst>
                               <p:par>
-                                <p:cTn id="40" presetID="26" presetClass="entr" presetSubtype="0" fill="hold" nodeType="afterEffect">
+                                <p:cTn id="62" presetID="26" presetClass="entr" presetSubtype="0" fill="hold" nodeType="afterEffect">
                                   <p:stCondLst>
                                     <p:cond delay="0"/>
                                   </p:stCondLst>
                                   <p:childTnLst>
                                     <p:set>
                                       <p:cBhvr>
-                                        <p:cTn id="41" dur="1" fill="hold">
+                                        <p:cTn id="63" dur="1" fill="hold">
                                           <p:stCondLst>
                                             <p:cond delay="0"/>
                                           </p:stCondLst>
@@ -8402,7 +8920,7 @@
                                     </p:set>
                                     <p:animEffect transition="in" filter="wipe(down)">
                                       <p:cBhvr>
-                                        <p:cTn id="42" dur="203">
+                                        <p:cTn id="64" dur="203">
                                           <p:stCondLst>
                                             <p:cond delay="0"/>
                                           </p:stCondLst>
@@ -8414,7 +8932,7 @@
                                     </p:animEffect>
                                     <p:anim calcmode="lin" valueType="num">
                                       <p:cBhvr>
-                                        <p:cTn id="43" dur="638" tmFilter="0,0; 0.14,0.36; 0.43,0.73; 0.71,0.91; 1.0,1.0">
+                                        <p:cTn id="65" dur="638" tmFilter="0,0; 0.14,0.36; 0.43,0.73; 0.71,0.91; 1.0,1.0">
                                           <p:stCondLst>
                                             <p:cond delay="0"/>
                                           </p:stCondLst>
@@ -8441,7 +8959,7 @@
                                     </p:anim>
                                     <p:anim calcmode="lin" valueType="num">
                                       <p:cBhvr>
-                                        <p:cTn id="44" dur="232" tmFilter="0.0,0.0; 0.25,0.07; 0.50,0.2; 0.75,0.467; 1.0,1.0">
+                                        <p:cTn id="66" dur="232" tmFilter="0.0,0.0; 0.25,0.07; 0.50,0.2; 0.75,0.467; 1.0,1.0">
                                           <p:stCondLst>
                                             <p:cond delay="0"/>
                                           </p:stCondLst>
@@ -8468,7 +8986,7 @@
                                     </p:anim>
                                     <p:anim calcmode="lin" valueType="num">
                                       <p:cBhvr>
-                                        <p:cTn id="45" dur="232" tmFilter="0, 0; 0.125,0.2665; 0.25,0.4; 0.375,0.465; 0.5,0.5;  0.625,0.535; 0.75,0.6; 0.875,0.7335; 1,1">
+                                        <p:cTn id="67" dur="232" tmFilter="0, 0; 0.125,0.2665; 0.25,0.4; 0.375,0.465; 0.5,0.5;  0.625,0.535; 0.75,0.6; 0.875,0.7335; 1,1">
                                           <p:stCondLst>
                                             <p:cond delay="232"/>
                                           </p:stCondLst>
@@ -8495,7 +9013,7 @@
                                     </p:anim>
                                     <p:anim calcmode="lin" valueType="num">
                                       <p:cBhvr>
-                                        <p:cTn id="46" dur="116" tmFilter="0, 0; 0.125,0.2665; 0.25,0.4; 0.375,0.465; 0.5,0.5;  0.625,0.535; 0.75,0.6; 0.875,0.7335; 1,1">
+                                        <p:cTn id="68" dur="116" tmFilter="0, 0; 0.125,0.2665; 0.25,0.4; 0.375,0.465; 0.5,0.5;  0.625,0.535; 0.75,0.6; 0.875,0.7335; 1,1">
                                           <p:stCondLst>
                                             <p:cond delay="463"/>
                                           </p:stCondLst>
@@ -8522,7 +9040,7 @@
                                     </p:anim>
                                     <p:anim calcmode="lin" valueType="num">
                                       <p:cBhvr>
-                                        <p:cTn id="47" dur="57" tmFilter="0, 0; 0.125,0.2665; 0.25,0.4; 0.375,0.465; 0.5,0.5;  0.625,0.535; 0.75,0.6; 0.875,0.7335; 1,1">
+                                        <p:cTn id="69" dur="57" tmFilter="0, 0; 0.125,0.2665; 0.25,0.4; 0.375,0.465; 0.5,0.5;  0.625,0.535; 0.75,0.6; 0.875,0.7335; 1,1">
                                           <p:stCondLst>
                                             <p:cond delay="580"/>
                                           </p:stCondLst>
@@ -8549,7 +9067,7 @@
                                     </p:anim>
                                     <p:animScale>
                                       <p:cBhvr>
-                                        <p:cTn id="48" dur="9">
+                                        <p:cTn id="70" dur="9">
                                           <p:stCondLst>
                                             <p:cond delay="227"/>
                                           </p:stCondLst>
@@ -8562,7 +9080,7 @@
                                     </p:animScale>
                                     <p:animScale>
                                       <p:cBhvr>
-                                        <p:cTn id="49" dur="58" decel="50000">
+                                        <p:cTn id="71" dur="58" decel="50000">
                                           <p:stCondLst>
                                             <p:cond delay="237"/>
                                           </p:stCondLst>
@@ -8575,7 +9093,7 @@
                                     </p:animScale>
                                     <p:animScale>
                                       <p:cBhvr>
-                                        <p:cTn id="50" dur="9">
+                                        <p:cTn id="72" dur="9">
                                           <p:stCondLst>
                                             <p:cond delay="459"/>
                                           </p:stCondLst>
@@ -8588,7 +9106,7 @@
                                     </p:animScale>
                                     <p:animScale>
                                       <p:cBhvr>
-                                        <p:cTn id="51" dur="58" decel="50000">
+                                        <p:cTn id="73" dur="58" decel="50000">
                                           <p:stCondLst>
                                             <p:cond delay="468"/>
                                           </p:stCondLst>
@@ -8601,7 +9119,7 @@
                                     </p:animScale>
                                     <p:animScale>
                                       <p:cBhvr>
-                                        <p:cTn id="52" dur="9">
+                                        <p:cTn id="74" dur="9">
                                           <p:stCondLst>
                                             <p:cond delay="575"/>
                                           </p:stCondLst>
@@ -8614,7 +9132,7 @@
                                     </p:animScale>
                                     <p:animScale>
                                       <p:cBhvr>
-                                        <p:cTn id="53" dur="58" decel="50000">
+                                        <p:cTn id="75" dur="58" decel="50000">
                                           <p:stCondLst>
                                             <p:cond delay="584"/>
                                           </p:stCondLst>
@@ -8627,7 +9145,7 @@
                                     </p:animScale>
                                     <p:animScale>
                                       <p:cBhvr>
-                                        <p:cTn id="54" dur="9">
+                                        <p:cTn id="76" dur="9">
                                           <p:stCondLst>
                                             <p:cond delay="633"/>
                                           </p:stCondLst>
@@ -8640,7 +9158,7 @@
                                     </p:animScale>
                                     <p:animScale>
                                       <p:cBhvr>
-                                        <p:cTn id="55" dur="58" decel="50000">
+                                        <p:cTn id="77" dur="58" decel="50000">
                                           <p:stCondLst>
                                             <p:cond delay="642"/>
                                           </p:stCondLst>
@@ -8690,6 +9208,13 @@
       <p:bldP spid="15" grpId="0" animBg="1"/>
       <p:bldP spid="16" grpId="0" animBg="1"/>
       <p:bldP spid="17" grpId="0" animBg="1"/>
+      <p:bldP spid="2" grpId="0"/>
+      <p:bldP spid="3" grpId="0"/>
+      <p:bldP spid="6" grpId="0" animBg="1"/>
+      <p:bldP spid="8" grpId="0"/>
+      <p:bldP spid="9" grpId="0"/>
+      <p:bldP spid="14" grpId="0"/>
+      <p:bldP spid="18" grpId="0"/>
     </p:bldLst>
   </p:timing>
 </p:sld>
@@ -8923,18 +9448,9 @@
   <p:clrMapOvr>
     <a:masterClrMapping/>
   </p:clrMapOvr>
-  <mc:AlternateContent xmlns:mc="http://schemas.openxmlformats.org/markup-compatibility/2006" xmlns:p14="http://schemas.microsoft.com/office/powerpoint/2010/main">
-    <mc:Choice Requires="p14">
-      <p:transition spd="slow" p14:dur="1200">
-        <p14:prism/>
-      </p:transition>
-    </mc:Choice>
-    <mc:Fallback xmlns="">
-      <p:transition spd="slow">
-        <p:fade/>
-      </p:transition>
-    </mc:Fallback>
-  </mc:AlternateContent>
+  <p:transition spd="slow">
+    <p:push dir="u"/>
+  </p:transition>
   <p:timing>
     <p:tnLst>
       <p:par>
@@ -9356,7 +9872,7 @@
         </p:blipFill>
         <p:spPr>
           <a:xfrm>
-            <a:off x="47488" y="1341521"/>
+            <a:off x="96605" y="1637439"/>
             <a:ext cx="4520691" cy="2768320"/>
           </a:xfrm>
           <a:prstGeom prst="rect">
@@ -9366,10 +9882,10 @@
       </p:pic>
       <p:pic>
         <p:nvPicPr>
-          <p:cNvPr id="12" name="Obrázek 11" descr="Obsah obrázku text, snímek obrazovky, Písmo&#10;&#10;Popis byl vytvořen automaticky">
-            <a:extLst>
-              <a:ext uri="{FF2B5EF4-FFF2-40B4-BE49-F238E27FC236}">
-                <a16:creationId xmlns:a16="http://schemas.microsoft.com/office/drawing/2014/main" id="{9A46FC50-7A9E-66B6-25B4-D799F1FA4BB3}"/>
+          <p:cNvPr id="10" name="Obrázek 9" descr="Obsah obrázku text, snímek obrazovky, Písmo&#10;&#10;Popis byl vytvořen automaticky">
+            <a:extLst>
+              <a:ext uri="{FF2B5EF4-FFF2-40B4-BE49-F238E27FC236}">
+                <a16:creationId xmlns:a16="http://schemas.microsoft.com/office/drawing/2014/main" id="{2A73BDE4-0BD6-3E20-E86F-D278FE204F4A}"/>
               </a:ext>
             </a:extLst>
           </p:cNvPr>
@@ -9386,19 +9902,89 @@
               </a:ext>
             </a:extLst>
           </a:blip>
-          <a:srcRect r="3824"/>
+          <a:srcRect l="-1" r="3502"/>
           <a:stretch/>
         </p:blipFill>
         <p:spPr>
           <a:xfrm>
-            <a:off x="47488" y="4171495"/>
-            <a:ext cx="4520691" cy="2670547"/>
+            <a:off x="3848712" y="2900277"/>
+            <a:ext cx="3991833" cy="2727585"/>
           </a:xfrm>
           <a:prstGeom prst="rect">
             <a:avLst/>
           </a:prstGeom>
         </p:spPr>
       </p:pic>
+      <p:sp>
+        <p:nvSpPr>
+          <p:cNvPr id="3" name="Nadpis 2">
+            <a:extLst>
+              <a:ext uri="{FF2B5EF4-FFF2-40B4-BE49-F238E27FC236}">
+                <a16:creationId xmlns:a16="http://schemas.microsoft.com/office/drawing/2014/main" id="{BA45686C-E176-4735-978D-5A3CA46DAABB}"/>
+              </a:ext>
+            </a:extLst>
+          </p:cNvPr>
+          <p:cNvSpPr>
+            <a:spLocks noGrp="1"/>
+          </p:cNvSpPr>
+          <p:nvPr>
+            <p:ph type="title"/>
+          </p:nvPr>
+        </p:nvSpPr>
+        <p:spPr>
+          <a:xfrm>
+            <a:off x="838200" y="15958"/>
+            <a:ext cx="11353800" cy="1325563"/>
+          </a:xfrm>
+        </p:spPr>
+        <p:txBody>
+          <a:bodyPr anchor="ctr">
+            <a:normAutofit/>
+          </a:bodyPr>
+          <a:lstStyle/>
+          <a:p>
+            <a:r>
+              <a:rPr lang="cs-CZ" dirty="0"/>
+              <a:t>TESTOVÁNÍ</a:t>
+            </a:r>
+          </a:p>
+        </p:txBody>
+      </p:sp>
+      <p:sp>
+        <p:nvSpPr>
+          <p:cNvPr id="4" name="Podnadpis 6">
+            <a:extLst>
+              <a:ext uri="{FF2B5EF4-FFF2-40B4-BE49-F238E27FC236}">
+                <a16:creationId xmlns:a16="http://schemas.microsoft.com/office/drawing/2014/main" id="{A465A01A-EA10-691D-4297-CFA5F971C03B}"/>
+              </a:ext>
+            </a:extLst>
+          </p:cNvPr>
+          <p:cNvSpPr>
+            <a:spLocks noGrp="1"/>
+          </p:cNvSpPr>
+          <p:nvPr>
+            <p:ph type="subTitle" idx="13"/>
+          </p:nvPr>
+        </p:nvSpPr>
+        <p:spPr>
+          <a:xfrm>
+            <a:off x="3047997" y="1018598"/>
+            <a:ext cx="9144000" cy="714499"/>
+          </a:xfrm>
+        </p:spPr>
+        <p:txBody>
+          <a:bodyPr>
+            <a:normAutofit/>
+          </a:bodyPr>
+          <a:lstStyle/>
+          <a:p>
+            <a:r>
+              <a:rPr lang="cs-CZ" dirty="0"/>
+              <a:t>Výsledky akceptačních testů</a:t>
+            </a:r>
+          </a:p>
+        </p:txBody>
+      </p:sp>
       <p:pic>
         <p:nvPicPr>
           <p:cNvPr id="14" name="Obrázek 13" descr="Obsah obrázku text, snímek obrazovky, Písmo&#10;&#10;Popis byl vytvořen automaticky">
@@ -9426,148 +10012,8 @@
         </p:blipFill>
         <p:spPr>
           <a:xfrm>
-            <a:off x="4657939" y="1953311"/>
-            <a:ext cx="4106673" cy="2727585"/>
-          </a:xfrm>
-          <a:prstGeom prst="rect">
-            <a:avLst/>
-          </a:prstGeom>
-        </p:spPr>
-      </p:pic>
-      <p:pic>
-        <p:nvPicPr>
-          <p:cNvPr id="10" name="Obrázek 9" descr="Obsah obrázku text, snímek obrazovky, Písmo&#10;&#10;Popis byl vytvořen automaticky">
-            <a:extLst>
-              <a:ext uri="{FF2B5EF4-FFF2-40B4-BE49-F238E27FC236}">
-                <a16:creationId xmlns:a16="http://schemas.microsoft.com/office/drawing/2014/main" id="{2A73BDE4-0BD6-3E20-E86F-D278FE204F4A}"/>
-              </a:ext>
-            </a:extLst>
-          </p:cNvPr>
-          <p:cNvPicPr>
-            <a:picLocks noChangeAspect="1"/>
-          </p:cNvPicPr>
-          <p:nvPr/>
-        </p:nvPicPr>
-        <p:blipFill rotWithShape="1">
-          <a:blip r:embed="rId6">
-            <a:extLst>
-              <a:ext uri="{28A0092B-C50C-407E-A947-70E740481C1C}">
-                <a14:useLocalDpi xmlns:a14="http://schemas.microsoft.com/office/drawing/2010/main" val="0"/>
-              </a:ext>
-            </a:extLst>
-          </a:blip>
-          <a:srcRect l="-1" r="21937"/>
-          <a:stretch/>
-        </p:blipFill>
-        <p:spPr>
-          <a:xfrm>
-            <a:off x="8854372" y="1953312"/>
-            <a:ext cx="3229220" cy="2727585"/>
-          </a:xfrm>
-          <a:prstGeom prst="rect">
-            <a:avLst/>
-          </a:prstGeom>
-        </p:spPr>
-      </p:pic>
-      <p:sp>
-        <p:nvSpPr>
-          <p:cNvPr id="3" name="Nadpis 2">
-            <a:extLst>
-              <a:ext uri="{FF2B5EF4-FFF2-40B4-BE49-F238E27FC236}">
-                <a16:creationId xmlns:a16="http://schemas.microsoft.com/office/drawing/2014/main" id="{BA45686C-E176-4735-978D-5A3CA46DAABB}"/>
-              </a:ext>
-            </a:extLst>
-          </p:cNvPr>
-          <p:cNvSpPr>
-            <a:spLocks noGrp="1"/>
-          </p:cNvSpPr>
-          <p:nvPr>
-            <p:ph type="title"/>
-          </p:nvPr>
-        </p:nvSpPr>
-        <p:spPr>
-          <a:xfrm>
-            <a:off x="838200" y="15958"/>
-            <a:ext cx="11353800" cy="1325563"/>
-          </a:xfrm>
-        </p:spPr>
-        <p:txBody>
-          <a:bodyPr anchor="ctr">
-            <a:normAutofit/>
-          </a:bodyPr>
-          <a:lstStyle/>
-          <a:p>
-            <a:r>
-              <a:rPr lang="cs-CZ" dirty="0"/>
-              <a:t>TESTOVÁNÍ</a:t>
-            </a:r>
-          </a:p>
-        </p:txBody>
-      </p:sp>
-      <p:sp>
-        <p:nvSpPr>
-          <p:cNvPr id="4" name="Podnadpis 6">
-            <a:extLst>
-              <a:ext uri="{FF2B5EF4-FFF2-40B4-BE49-F238E27FC236}">
-                <a16:creationId xmlns:a16="http://schemas.microsoft.com/office/drawing/2014/main" id="{A465A01A-EA10-691D-4297-CFA5F971C03B}"/>
-              </a:ext>
-            </a:extLst>
-          </p:cNvPr>
-          <p:cNvSpPr>
-            <a:spLocks noGrp="1"/>
-          </p:cNvSpPr>
-          <p:nvPr>
-            <p:ph type="subTitle" idx="13"/>
-          </p:nvPr>
-        </p:nvSpPr>
-        <p:spPr>
-          <a:xfrm>
-            <a:off x="3047997" y="1018598"/>
-            <a:ext cx="9144000" cy="714499"/>
-          </a:xfrm>
-        </p:spPr>
-        <p:txBody>
-          <a:bodyPr>
-            <a:normAutofit/>
-          </a:bodyPr>
-          <a:lstStyle/>
-          <a:p>
-            <a:r>
-              <a:rPr lang="cs-CZ" dirty="0"/>
-              <a:t>Výsledky akceptačních testů</a:t>
-            </a:r>
-          </a:p>
-        </p:txBody>
-      </p:sp>
-      <p:pic>
-        <p:nvPicPr>
-          <p:cNvPr id="18" name="Obrázek 17" descr="Obsah obrázku text, snímek obrazovky, Písmo, černá&#10;&#10;Popis byl vytvořen automaticky">
-            <a:extLst>
-              <a:ext uri="{FF2B5EF4-FFF2-40B4-BE49-F238E27FC236}">
-                <a16:creationId xmlns:a16="http://schemas.microsoft.com/office/drawing/2014/main" id="{4342A6E6-E554-5776-0ED8-F217A7AC6A37}"/>
-              </a:ext>
-            </a:extLst>
-          </p:cNvPr>
-          <p:cNvPicPr>
-            <a:picLocks noChangeAspect="1"/>
-          </p:cNvPicPr>
-          <p:nvPr/>
-        </p:nvPicPr>
-        <p:blipFill rotWithShape="1">
-          <a:blip r:embed="rId7">
-            <a:extLst>
-              <a:ext uri="{28A0092B-C50C-407E-A947-70E740481C1C}">
-                <a14:useLocalDpi xmlns:a14="http://schemas.microsoft.com/office/drawing/2010/main" val="0"/>
-              </a:ext>
-            </a:extLst>
-          </a:blip>
-          <a:srcRect t="1" r="2304" b="2105"/>
-          <a:stretch/>
-        </p:blipFill>
-        <p:spPr>
-          <a:xfrm>
-            <a:off x="4657939" y="4811419"/>
-            <a:ext cx="7425653" cy="2030624"/>
+            <a:off x="7670800" y="3756725"/>
+            <a:ext cx="4424595" cy="2938744"/>
           </a:xfrm>
           <a:prstGeom prst="rect">
             <a:avLst/>
@@ -9584,18 +10030,9 @@
   <p:clrMapOvr>
     <a:masterClrMapping/>
   </p:clrMapOvr>
-  <mc:AlternateContent xmlns:mc="http://schemas.openxmlformats.org/markup-compatibility/2006" xmlns:p14="http://schemas.microsoft.com/office/powerpoint/2010/main">
-    <mc:Choice Requires="p14">
-      <p:transition spd="slow" p14:dur="1200">
-        <p14:prism/>
-      </p:transition>
-    </mc:Choice>
-    <mc:Fallback xmlns="">
-      <p:transition spd="slow">
-        <p:fade/>
-      </p:transition>
-    </mc:Fallback>
-  </mc:AlternateContent>
+  <p:transition spd="slow">
+    <p:push dir="u"/>
+  </p:transition>
   <p:timing>
     <p:tnLst>
       <p:par>
@@ -9620,7 +10057,7 @@
                             </p:stCondLst>
                             <p:childTnLst>
                               <p:par>
-                                <p:cTn id="5" presetID="45" presetClass="entr" presetSubtype="0" fill="hold" nodeType="afterEffect">
+                                <p:cTn id="5" presetID="2" presetClass="entr" presetSubtype="6" fill="hold" nodeType="afterEffect">
                                   <p:stCondLst>
                                     <p:cond delay="0"/>
                                   </p:stCondLst>
@@ -9643,56 +10080,48 @@
                                         <p:strVal val="visible"/>
                                       </p:to>
                                     </p:set>
-                                    <p:animEffect transition="in" filter="fade">
-                                      <p:cBhvr>
-                                        <p:cTn id="7" dur="2000"/>
-                                        <p:tgtEl>
-                                          <p:spTgt spid="8"/>
-                                        </p:tgtEl>
-                                      </p:cBhvr>
-                                    </p:animEffect>
                                     <p:anim calcmode="lin" valueType="num">
-                                      <p:cBhvr>
-                                        <p:cTn id="8" dur="2000" fill="hold"/>
+                                      <p:cBhvr additive="base">
+                                        <p:cTn id="7" dur="500" fill="hold"/>
                                         <p:tgtEl>
                                           <p:spTgt spid="8"/>
                                         </p:tgtEl>
                                         <p:attrNameLst>
-                                          <p:attrName>ppt_w</p:attrName>
+                                          <p:attrName>ppt_x</p:attrName>
                                         </p:attrNameLst>
                                       </p:cBhvr>
                                       <p:tavLst>
-                                        <p:tav tm="0" fmla="#ppt_w*sin(2.5*pi*$)">
+                                        <p:tav tm="0">
                                           <p:val>
-                                            <p:fltVal val="0"/>
+                                            <p:strVal val="1+#ppt_w/2"/>
                                           </p:val>
                                         </p:tav>
                                         <p:tav tm="100000">
                                           <p:val>
-                                            <p:fltVal val="1"/>
+                                            <p:strVal val="#ppt_x"/>
                                           </p:val>
                                         </p:tav>
                                       </p:tavLst>
                                     </p:anim>
                                     <p:anim calcmode="lin" valueType="num">
-                                      <p:cBhvr>
-                                        <p:cTn id="9" dur="2000" fill="hold"/>
+                                      <p:cBhvr additive="base">
+                                        <p:cTn id="8" dur="500" fill="hold"/>
                                         <p:tgtEl>
                                           <p:spTgt spid="8"/>
                                         </p:tgtEl>
                                         <p:attrNameLst>
-                                          <p:attrName>ppt_h</p:attrName>
+                                          <p:attrName>ppt_y</p:attrName>
                                         </p:attrNameLst>
                                       </p:cBhvr>
                                       <p:tavLst>
                                         <p:tav tm="0">
                                           <p:val>
-                                            <p:strVal val="#ppt_h"/>
+                                            <p:strVal val="1+#ppt_h/2"/>
                                           </p:val>
                                         </p:tav>
                                         <p:tav tm="100000">
                                           <p:val>
-                                            <p:strVal val="#ppt_h"/>
+                                            <p:strVal val="#ppt_y"/>
                                           </p:val>
                                         </p:tav>
                                       </p:tavLst>
@@ -9703,30 +10132,21 @@
                             </p:childTnLst>
                           </p:cTn>
                         </p:par>
-                      </p:childTnLst>
-                    </p:cTn>
-                  </p:par>
-                  <p:par>
-                    <p:cTn id="10" fill="hold">
-                      <p:stCondLst>
-                        <p:cond delay="indefinite"/>
-                      </p:stCondLst>
-                      <p:childTnLst>
                         <p:par>
-                          <p:cTn id="11" fill="hold">
+                          <p:cTn id="9" fill="hold">
                             <p:stCondLst>
-                              <p:cond delay="0"/>
+                              <p:cond delay="500"/>
                             </p:stCondLst>
                             <p:childTnLst>
                               <p:par>
-                                <p:cTn id="12" presetID="31" presetClass="entr" presetSubtype="0" fill="hold" nodeType="clickEffect">
+                                <p:cTn id="10" presetID="2" presetClass="entr" presetSubtype="3" fill="hold" nodeType="afterEffect">
                                   <p:stCondLst>
                                     <p:cond delay="0"/>
                                   </p:stCondLst>
                                   <p:childTnLst>
                                     <p:set>
                                       <p:cBhvr>
-                                        <p:cTn id="13" dur="1" fill="hold">
+                                        <p:cTn id="11" dur="1" fill="hold">
                                           <p:stCondLst>
                                             <p:cond delay="0"/>
                                           </p:stCondLst>
@@ -9743,356 +10163,72 @@
                                       </p:to>
                                     </p:set>
                                     <p:anim calcmode="lin" valueType="num">
-                                      <p:cBhvr>
-                                        <p:cTn id="14" dur="1000" fill="hold"/>
+                                      <p:cBhvr additive="base">
+                                        <p:cTn id="12" dur="500" fill="hold"/>
                                         <p:tgtEl>
                                           <p:spTgt spid="10"/>
                                         </p:tgtEl>
                                         <p:attrNameLst>
-                                          <p:attrName>ppt_w</p:attrName>
+                                          <p:attrName>ppt_x</p:attrName>
                                         </p:attrNameLst>
                                       </p:cBhvr>
                                       <p:tavLst>
                                         <p:tav tm="0">
                                           <p:val>
-                                            <p:fltVal val="0"/>
+                                            <p:strVal val="1+#ppt_w/2"/>
                                           </p:val>
                                         </p:tav>
                                         <p:tav tm="100000">
                                           <p:val>
-                                            <p:strVal val="#ppt_w"/>
+                                            <p:strVal val="#ppt_x"/>
                                           </p:val>
                                         </p:tav>
                                       </p:tavLst>
                                     </p:anim>
                                     <p:anim calcmode="lin" valueType="num">
-                                      <p:cBhvr>
-                                        <p:cTn id="15" dur="1000" fill="hold"/>
+                                      <p:cBhvr additive="base">
+                                        <p:cTn id="13" dur="500" fill="hold"/>
                                         <p:tgtEl>
                                           <p:spTgt spid="10"/>
                                         </p:tgtEl>
                                         <p:attrNameLst>
-                                          <p:attrName>ppt_h</p:attrName>
+                                          <p:attrName>ppt_y</p:attrName>
                                         </p:attrNameLst>
                                       </p:cBhvr>
                                       <p:tavLst>
                                         <p:tav tm="0">
                                           <p:val>
-                                            <p:fltVal val="0"/>
+                                            <p:strVal val="0-#ppt_h/2"/>
                                           </p:val>
                                         </p:tav>
                                         <p:tav tm="100000">
                                           <p:val>
-                                            <p:strVal val="#ppt_h"/>
+                                            <p:strVal val="#ppt_y"/>
                                           </p:val>
                                         </p:tav>
                                       </p:tavLst>
                                     </p:anim>
-                                    <p:anim calcmode="lin" valueType="num">
-                                      <p:cBhvr>
-                                        <p:cTn id="16" dur="1000" fill="hold"/>
-                                        <p:tgtEl>
-                                          <p:spTgt spid="10"/>
-                                        </p:tgtEl>
-                                        <p:attrNameLst>
-                                          <p:attrName>style.rotation</p:attrName>
-                                        </p:attrNameLst>
-                                      </p:cBhvr>
-                                      <p:tavLst>
-                                        <p:tav tm="0">
-                                          <p:val>
-                                            <p:fltVal val="90"/>
-                                          </p:val>
-                                        </p:tav>
-                                        <p:tav tm="100000">
-                                          <p:val>
-                                            <p:fltVal val="0"/>
-                                          </p:val>
-                                        </p:tav>
-                                      </p:tavLst>
-                                    </p:anim>
-                                    <p:animEffect transition="in" filter="fade">
-                                      <p:cBhvr>
-                                        <p:cTn id="17" dur="1000"/>
-                                        <p:tgtEl>
-                                          <p:spTgt spid="10"/>
-                                        </p:tgtEl>
-                                      </p:cBhvr>
-                                    </p:animEffect>
                                   </p:childTnLst>
                                 </p:cTn>
                               </p:par>
                             </p:childTnLst>
                           </p:cTn>
                         </p:par>
-                      </p:childTnLst>
-                    </p:cTn>
-                  </p:par>
-                  <p:par>
-                    <p:cTn id="18" fill="hold">
-                      <p:stCondLst>
-                        <p:cond delay="indefinite"/>
-                      </p:stCondLst>
-                      <p:childTnLst>
                         <p:par>
-                          <p:cTn id="19" fill="hold">
+                          <p:cTn id="14" fill="hold">
                             <p:stCondLst>
-                              <p:cond delay="0"/>
+                              <p:cond delay="1000"/>
                             </p:stCondLst>
                             <p:childTnLst>
                               <p:par>
-                                <p:cTn id="20" presetID="31" presetClass="entr" presetSubtype="0" fill="hold" nodeType="clickEffect">
+                                <p:cTn id="15" presetID="2" presetClass="entr" presetSubtype="9" fill="hold" nodeType="afterEffect">
                                   <p:stCondLst>
                                     <p:cond delay="0"/>
                                   </p:stCondLst>
                                   <p:childTnLst>
                                     <p:set>
                                       <p:cBhvr>
-                                        <p:cTn id="21" dur="1" fill="hold">
-                                          <p:stCondLst>
-                                            <p:cond delay="0"/>
-                                          </p:stCondLst>
-                                        </p:cTn>
-                                        <p:tgtEl>
-                                          <p:spTgt spid="18"/>
-                                        </p:tgtEl>
-                                        <p:attrNameLst>
-                                          <p:attrName>style.visibility</p:attrName>
-                                        </p:attrNameLst>
-                                      </p:cBhvr>
-                                      <p:to>
-                                        <p:strVal val="visible"/>
-                                      </p:to>
-                                    </p:set>
-                                    <p:anim calcmode="lin" valueType="num">
-                                      <p:cBhvr>
-                                        <p:cTn id="22" dur="1000" fill="hold"/>
-                                        <p:tgtEl>
-                                          <p:spTgt spid="18"/>
-                                        </p:tgtEl>
-                                        <p:attrNameLst>
-                                          <p:attrName>ppt_w</p:attrName>
-                                        </p:attrNameLst>
-                                      </p:cBhvr>
-                                      <p:tavLst>
-                                        <p:tav tm="0">
-                                          <p:val>
-                                            <p:fltVal val="0"/>
-                                          </p:val>
-                                        </p:tav>
-                                        <p:tav tm="100000">
-                                          <p:val>
-                                            <p:strVal val="#ppt_w"/>
-                                          </p:val>
-                                        </p:tav>
-                                      </p:tavLst>
-                                    </p:anim>
-                                    <p:anim calcmode="lin" valueType="num">
-                                      <p:cBhvr>
-                                        <p:cTn id="23" dur="1000" fill="hold"/>
-                                        <p:tgtEl>
-                                          <p:spTgt spid="18"/>
-                                        </p:tgtEl>
-                                        <p:attrNameLst>
-                                          <p:attrName>ppt_h</p:attrName>
-                                        </p:attrNameLst>
-                                      </p:cBhvr>
-                                      <p:tavLst>
-                                        <p:tav tm="0">
-                                          <p:val>
-                                            <p:fltVal val="0"/>
-                                          </p:val>
-                                        </p:tav>
-                                        <p:tav tm="100000">
-                                          <p:val>
-                                            <p:strVal val="#ppt_h"/>
-                                          </p:val>
-                                        </p:tav>
-                                      </p:tavLst>
-                                    </p:anim>
-                                    <p:anim calcmode="lin" valueType="num">
-                                      <p:cBhvr>
-                                        <p:cTn id="24" dur="1000" fill="hold"/>
-                                        <p:tgtEl>
-                                          <p:spTgt spid="18"/>
-                                        </p:tgtEl>
-                                        <p:attrNameLst>
-                                          <p:attrName>style.rotation</p:attrName>
-                                        </p:attrNameLst>
-                                      </p:cBhvr>
-                                      <p:tavLst>
-                                        <p:tav tm="0">
-                                          <p:val>
-                                            <p:fltVal val="90"/>
-                                          </p:val>
-                                        </p:tav>
-                                        <p:tav tm="100000">
-                                          <p:val>
-                                            <p:fltVal val="0"/>
-                                          </p:val>
-                                        </p:tav>
-                                      </p:tavLst>
-                                    </p:anim>
-                                    <p:animEffect transition="in" filter="fade">
-                                      <p:cBhvr>
-                                        <p:cTn id="25" dur="1000"/>
-                                        <p:tgtEl>
-                                          <p:spTgt spid="18"/>
-                                        </p:tgtEl>
-                                      </p:cBhvr>
-                                    </p:animEffect>
-                                  </p:childTnLst>
-                                </p:cTn>
-                              </p:par>
-                            </p:childTnLst>
-                          </p:cTn>
-                        </p:par>
-                      </p:childTnLst>
-                    </p:cTn>
-                  </p:par>
-                  <p:par>
-                    <p:cTn id="26" fill="hold">
-                      <p:stCondLst>
-                        <p:cond delay="indefinite"/>
-                      </p:stCondLst>
-                      <p:childTnLst>
-                        <p:par>
-                          <p:cTn id="27" fill="hold">
-                            <p:stCondLst>
-                              <p:cond delay="0"/>
-                            </p:stCondLst>
-                            <p:childTnLst>
-                              <p:par>
-                                <p:cTn id="28" presetID="31" presetClass="entr" presetSubtype="0" fill="hold" nodeType="clickEffect">
-                                  <p:stCondLst>
-                                    <p:cond delay="0"/>
-                                  </p:stCondLst>
-                                  <p:childTnLst>
-                                    <p:set>
-                                      <p:cBhvr>
-                                        <p:cTn id="29" dur="1" fill="hold">
-                                          <p:stCondLst>
-                                            <p:cond delay="0"/>
-                                          </p:stCondLst>
-                                        </p:cTn>
-                                        <p:tgtEl>
-                                          <p:spTgt spid="12"/>
-                                        </p:tgtEl>
-                                        <p:attrNameLst>
-                                          <p:attrName>style.visibility</p:attrName>
-                                        </p:attrNameLst>
-                                      </p:cBhvr>
-                                      <p:to>
-                                        <p:strVal val="visible"/>
-                                      </p:to>
-                                    </p:set>
-                                    <p:anim calcmode="lin" valueType="num">
-                                      <p:cBhvr>
-                                        <p:cTn id="30" dur="1000" fill="hold"/>
-                                        <p:tgtEl>
-                                          <p:spTgt spid="12"/>
-                                        </p:tgtEl>
-                                        <p:attrNameLst>
-                                          <p:attrName>ppt_w</p:attrName>
-                                        </p:attrNameLst>
-                                      </p:cBhvr>
-                                      <p:tavLst>
-                                        <p:tav tm="0">
-                                          <p:val>
-                                            <p:fltVal val="0"/>
-                                          </p:val>
-                                        </p:tav>
-                                        <p:tav tm="100000">
-                                          <p:val>
-                                            <p:strVal val="#ppt_w"/>
-                                          </p:val>
-                                        </p:tav>
-                                      </p:tavLst>
-                                    </p:anim>
-                                    <p:anim calcmode="lin" valueType="num">
-                                      <p:cBhvr>
-                                        <p:cTn id="31" dur="1000" fill="hold"/>
-                                        <p:tgtEl>
-                                          <p:spTgt spid="12"/>
-                                        </p:tgtEl>
-                                        <p:attrNameLst>
-                                          <p:attrName>ppt_h</p:attrName>
-                                        </p:attrNameLst>
-                                      </p:cBhvr>
-                                      <p:tavLst>
-                                        <p:tav tm="0">
-                                          <p:val>
-                                            <p:fltVal val="0"/>
-                                          </p:val>
-                                        </p:tav>
-                                        <p:tav tm="100000">
-                                          <p:val>
-                                            <p:strVal val="#ppt_h"/>
-                                          </p:val>
-                                        </p:tav>
-                                      </p:tavLst>
-                                    </p:anim>
-                                    <p:anim calcmode="lin" valueType="num">
-                                      <p:cBhvr>
-                                        <p:cTn id="32" dur="1000" fill="hold"/>
-                                        <p:tgtEl>
-                                          <p:spTgt spid="12"/>
-                                        </p:tgtEl>
-                                        <p:attrNameLst>
-                                          <p:attrName>style.rotation</p:attrName>
-                                        </p:attrNameLst>
-                                      </p:cBhvr>
-                                      <p:tavLst>
-                                        <p:tav tm="0">
-                                          <p:val>
-                                            <p:fltVal val="90"/>
-                                          </p:val>
-                                        </p:tav>
-                                        <p:tav tm="100000">
-                                          <p:val>
-                                            <p:fltVal val="0"/>
-                                          </p:val>
-                                        </p:tav>
-                                      </p:tavLst>
-                                    </p:anim>
-                                    <p:animEffect transition="in" filter="fade">
-                                      <p:cBhvr>
-                                        <p:cTn id="33" dur="1000"/>
-                                        <p:tgtEl>
-                                          <p:spTgt spid="12"/>
-                                        </p:tgtEl>
-                                      </p:cBhvr>
-                                    </p:animEffect>
-                                  </p:childTnLst>
-                                </p:cTn>
-                              </p:par>
-                            </p:childTnLst>
-                          </p:cTn>
-                        </p:par>
-                      </p:childTnLst>
-                    </p:cTn>
-                  </p:par>
-                  <p:par>
-                    <p:cTn id="34" fill="hold">
-                      <p:stCondLst>
-                        <p:cond delay="indefinite"/>
-                      </p:stCondLst>
-                      <p:childTnLst>
-                        <p:par>
-                          <p:cTn id="35" fill="hold">
-                            <p:stCondLst>
-                              <p:cond delay="0"/>
-                            </p:stCondLst>
-                            <p:childTnLst>
-                              <p:par>
-                                <p:cTn id="36" presetID="31" presetClass="entr" presetSubtype="0" fill="hold" nodeType="clickEffect">
-                                  <p:stCondLst>
-                                    <p:cond delay="0"/>
-                                  </p:stCondLst>
-                                  <p:childTnLst>
-                                    <p:set>
-                                      <p:cBhvr>
-                                        <p:cTn id="37" dur="1" fill="hold">
+                                        <p:cTn id="16" dur="1" fill="hold">
                                           <p:stCondLst>
                                             <p:cond delay="0"/>
                                           </p:stCondLst>
@@ -10109,82 +10245,51 @@
                                       </p:to>
                                     </p:set>
                                     <p:anim calcmode="lin" valueType="num">
-                                      <p:cBhvr>
-                                        <p:cTn id="38" dur="1000" fill="hold"/>
+                                      <p:cBhvr additive="base">
+                                        <p:cTn id="17" dur="500" fill="hold"/>
                                         <p:tgtEl>
                                           <p:spTgt spid="14"/>
                                         </p:tgtEl>
                                         <p:attrNameLst>
-                                          <p:attrName>ppt_w</p:attrName>
+                                          <p:attrName>ppt_x</p:attrName>
                                         </p:attrNameLst>
                                       </p:cBhvr>
                                       <p:tavLst>
                                         <p:tav tm="0">
                                           <p:val>
-                                            <p:fltVal val="0"/>
+                                            <p:strVal val="0-#ppt_w/2"/>
                                           </p:val>
                                         </p:tav>
                                         <p:tav tm="100000">
                                           <p:val>
-                                            <p:strVal val="#ppt_w"/>
+                                            <p:strVal val="#ppt_x"/>
                                           </p:val>
                                         </p:tav>
                                       </p:tavLst>
                                     </p:anim>
                                     <p:anim calcmode="lin" valueType="num">
-                                      <p:cBhvr>
-                                        <p:cTn id="39" dur="1000" fill="hold"/>
+                                      <p:cBhvr additive="base">
+                                        <p:cTn id="18" dur="500" fill="hold"/>
                                         <p:tgtEl>
                                           <p:spTgt spid="14"/>
                                         </p:tgtEl>
                                         <p:attrNameLst>
-                                          <p:attrName>ppt_h</p:attrName>
+                                          <p:attrName>ppt_y</p:attrName>
                                         </p:attrNameLst>
                                       </p:cBhvr>
                                       <p:tavLst>
                                         <p:tav tm="0">
                                           <p:val>
-                                            <p:fltVal val="0"/>
+                                            <p:strVal val="0-#ppt_h/2"/>
                                           </p:val>
                                         </p:tav>
                                         <p:tav tm="100000">
                                           <p:val>
-                                            <p:strVal val="#ppt_h"/>
+                                            <p:strVal val="#ppt_y"/>
                                           </p:val>
                                         </p:tav>
                                       </p:tavLst>
                                     </p:anim>
-                                    <p:anim calcmode="lin" valueType="num">
-                                      <p:cBhvr>
-                                        <p:cTn id="40" dur="1000" fill="hold"/>
-                                        <p:tgtEl>
-                                          <p:spTgt spid="14"/>
-                                        </p:tgtEl>
-                                        <p:attrNameLst>
-                                          <p:attrName>style.rotation</p:attrName>
-                                        </p:attrNameLst>
-                                      </p:cBhvr>
-                                      <p:tavLst>
-                                        <p:tav tm="0">
-                                          <p:val>
-                                            <p:fltVal val="90"/>
-                                          </p:val>
-                                        </p:tav>
-                                        <p:tav tm="100000">
-                                          <p:val>
-                                            <p:fltVal val="0"/>
-                                          </p:val>
-                                        </p:tav>
-                                      </p:tavLst>
-                                    </p:anim>
-                                    <p:animEffect transition="in" filter="fade">
-                                      <p:cBhvr>
-                                        <p:cTn id="41" dur="1000"/>
-                                        <p:tgtEl>
-                                          <p:spTgt spid="14"/>
-                                        </p:tgtEl>
-                                      </p:cBhvr>
-                                    </p:animEffect>
                                   </p:childTnLst>
                                 </p:cTn>
                               </p:par>
@@ -11019,18 +11124,18 @@
 </file>
 
 <file path=customXml/item2.xml><?xml version="1.0" encoding="utf-8"?>
-<p:properties xmlns:p="http://schemas.microsoft.com/office/2006/metadata/properties" xmlns:xsi="http://www.w3.org/2001/XMLSchema-instance" xmlns:pc="http://schemas.microsoft.com/office/infopath/2007/PartnerControls">
-  <documentManagement/>
-</p:properties>
-</file>
-
-<file path=customXml/item3.xml><?xml version="1.0" encoding="utf-8"?>
 <?mso-contentType ?>
 <FormTemplates xmlns="http://schemas.microsoft.com/sharepoint/v3/contenttype/forms">
   <Display>DocumentLibraryForm</Display>
   <Edit>DocumentLibraryForm</Edit>
   <New>DocumentLibraryForm</New>
 </FormTemplates>
+</file>
+
+<file path=customXml/item3.xml><?xml version="1.0" encoding="utf-8"?>
+<p:properties xmlns:p="http://schemas.microsoft.com/office/2006/metadata/properties" xmlns:xsi="http://www.w3.org/2001/XMLSchema-instance" xmlns:pc="http://schemas.microsoft.com/office/infopath/2007/PartnerControls">
+  <documentManagement/>
+</p:properties>
 </file>
 
 <file path=customXml/itemProps1.xml><?xml version="1.0" encoding="utf-8"?>
@@ -11053,6 +11158,14 @@
 </file>
 
 <file path=customXml/itemProps2.xml><?xml version="1.0" encoding="utf-8"?>
+<ds:datastoreItem xmlns:ds="http://schemas.openxmlformats.org/officeDocument/2006/customXml" ds:itemID="{0A928CE0-67FF-4A71-A165-CB560852688C}">
+  <ds:schemaRefs>
+    <ds:schemaRef ds:uri="http://schemas.microsoft.com/sharepoint/v3/contenttype/forms"/>
+  </ds:schemaRefs>
+</ds:datastoreItem>
+</file>
+
+<file path=customXml/itemProps3.xml><?xml version="1.0" encoding="utf-8"?>
 <ds:datastoreItem xmlns:ds="http://schemas.openxmlformats.org/officeDocument/2006/customXml" ds:itemID="{557DE7CF-8337-4338-8670-FE9D594966C6}">
   <ds:schemaRefs>
     <ds:schemaRef ds:uri="http://www.w3.org/XML/1998/namespace"/>
@@ -11067,12 +11180,4 @@
     <ds:schemaRef ds:uri="http://purl.org/dc/terms/"/>
   </ds:schemaRefs>
 </ds:datastoreItem>
-</file>
-
-<file path=customXml/itemProps3.xml><?xml version="1.0" encoding="utf-8"?>
-<ds:datastoreItem xmlns:ds="http://schemas.openxmlformats.org/officeDocument/2006/customXml" ds:itemID="{0A928CE0-67FF-4A71-A165-CB560852688C}">
-  <ds:schemaRefs>
-    <ds:schemaRef ds:uri="http://schemas.microsoft.com/sharepoint/v3/contenttype/forms"/>
-  </ds:schemaRefs>
-</ds:datastoreItem>
 </file>